--- a/ExpressProjects/ExpressProjects.pptx
+++ b/ExpressProjects/ExpressProjects.pptx
@@ -212,7 +212,7 @@
           <a:p>
             <a:fld id="{19104133-B5B0-4351-8158-4F0E5EB1E2BF}" type="datetimeFigureOut">
               <a:rPr lang="en-US" smtClean="0"/>
-              <a:t>1/13/2020</a:t>
+              <a:t>2/4/2020</a:t>
             </a:fld>
             <a:endParaRPr lang="en-US"/>
           </a:p>
@@ -958,7 +958,7 @@
             <a:fld id="{1C2D31DE-C454-491C-B5C3-F097855E3DF7}" type="datetime4">
               <a:rPr lang="en-US" smtClean="0"/>
               <a:pPr/>
-              <a:t>January 13, 2020</a:t>
+              <a:t>February 4, 2020</a:t>
             </a:fld>
             <a:endParaRPr lang="en-US" dirty="0"/>
           </a:p>
@@ -4358,7 +4358,7 @@
           <a:p>
             <a:fld id="{5958763E-B898-436D-883D-03711491D54A}" type="datetimeFigureOut">
               <a:rPr lang="en-US" smtClean="0"/>
-              <a:t>1/13/2020</a:t>
+              <a:t>2/4/2020</a:t>
             </a:fld>
             <a:endParaRPr lang="en-US"/>
           </a:p>
@@ -4559,7 +4559,7 @@
           <a:p>
             <a:fld id="{5958763E-B898-436D-883D-03711491D54A}" type="datetimeFigureOut">
               <a:rPr lang="en-US" smtClean="0"/>
-              <a:t>1/13/2020</a:t>
+              <a:t>2/4/2020</a:t>
             </a:fld>
             <a:endParaRPr lang="en-US"/>
           </a:p>
@@ -4816,7 +4816,7 @@
           <a:p>
             <a:fld id="{5958763E-B898-436D-883D-03711491D54A}" type="datetimeFigureOut">
               <a:rPr lang="en-US" smtClean="0"/>
-              <a:t>1/13/2020</a:t>
+              <a:t>2/4/2020</a:t>
             </a:fld>
             <a:endParaRPr lang="en-US"/>
           </a:p>
@@ -5171,7 +5171,7 @@
           <a:p>
             <a:fld id="{5958763E-B898-436D-883D-03711491D54A}" type="datetimeFigureOut">
               <a:rPr lang="en-US" smtClean="0"/>
-              <a:t>1/13/2020</a:t>
+              <a:t>2/4/2020</a:t>
             </a:fld>
             <a:endParaRPr lang="en-US"/>
           </a:p>
@@ -5594,7 +5594,7 @@
           <a:p>
             <a:fld id="{5958763E-B898-436D-883D-03711491D54A}" type="datetimeFigureOut">
               <a:rPr lang="en-US" smtClean="0"/>
-              <a:t>1/13/2020</a:t>
+              <a:t>2/4/2020</a:t>
             </a:fld>
             <a:endParaRPr lang="en-US"/>
           </a:p>
@@ -6102,7 +6102,7 @@
           <a:p>
             <a:fld id="{5958763E-B898-436D-883D-03711491D54A}" type="datetimeFigureOut">
               <a:rPr lang="en-US" smtClean="0"/>
-              <a:t>1/13/2020</a:t>
+              <a:t>2/4/2020</a:t>
             </a:fld>
             <a:endParaRPr lang="en-US"/>
           </a:p>
@@ -6560,7 +6560,7 @@
           <a:p>
             <a:fld id="{5958763E-B898-436D-883D-03711491D54A}" type="datetimeFigureOut">
               <a:rPr lang="en-US" smtClean="0"/>
-              <a:t>1/13/2020</a:t>
+              <a:t>2/4/2020</a:t>
             </a:fld>
             <a:endParaRPr lang="en-US"/>
           </a:p>
@@ -7178,7 +7178,7 @@
           <a:p>
             <a:fld id="{5958763E-B898-436D-883D-03711491D54A}" type="datetimeFigureOut">
               <a:rPr lang="en-US" smtClean="0"/>
-              <a:t>1/13/2020</a:t>
+              <a:t>2/4/2020</a:t>
             </a:fld>
             <a:endParaRPr lang="en-US"/>
           </a:p>
@@ -7956,7 +7956,7 @@
           <a:p>
             <a:fld id="{5958763E-B898-436D-883D-03711491D54A}" type="datetimeFigureOut">
               <a:rPr lang="en-US" smtClean="0"/>
-              <a:t>1/13/2020</a:t>
+              <a:t>2/4/2020</a:t>
             </a:fld>
             <a:endParaRPr lang="en-US"/>
           </a:p>
@@ -8067,7 +8067,7 @@
           <a:p>
             <a:fld id="{5958763E-B898-436D-883D-03711491D54A}" type="datetimeFigureOut">
               <a:rPr lang="en-US" smtClean="0"/>
-              <a:t>1/13/2020</a:t>
+              <a:t>2/4/2020</a:t>
             </a:fld>
             <a:endParaRPr lang="en-US"/>
           </a:p>
@@ -8409,7 +8409,7 @@
             <a:fld id="{1C2D31DE-C454-491C-B5C3-F097855E3DF7}" type="datetime4">
               <a:rPr lang="en-US" smtClean="0"/>
               <a:pPr/>
-              <a:t>January 13, 2020</a:t>
+              <a:t>February 4, 2020</a:t>
             </a:fld>
             <a:endParaRPr lang="en-US" dirty="0"/>
           </a:p>
@@ -11569,7 +11569,7 @@
           <a:p>
             <a:fld id="{5958763E-B898-436D-883D-03711491D54A}" type="datetimeFigureOut">
               <a:rPr lang="en-US" smtClean="0"/>
-              <a:t>1/13/2020</a:t>
+              <a:t>2/4/2020</a:t>
             </a:fld>
             <a:endParaRPr lang="en-US"/>
           </a:p>
@@ -11700,7 +11700,7 @@
           <a:p>
             <a:fld id="{5958763E-B898-436D-883D-03711491D54A}" type="datetimeFigureOut">
               <a:rPr lang="en-US" smtClean="0"/>
-              <a:t>1/13/2020</a:t>
+              <a:t>2/4/2020</a:t>
             </a:fld>
             <a:endParaRPr lang="en-US"/>
           </a:p>
@@ -11831,7 +11831,7 @@
           <a:p>
             <a:fld id="{5958763E-B898-436D-883D-03711491D54A}" type="datetimeFigureOut">
               <a:rPr lang="en-US" smtClean="0"/>
-              <a:t>1/13/2020</a:t>
+              <a:t>2/4/2020</a:t>
             </a:fld>
             <a:endParaRPr lang="en-US"/>
           </a:p>
@@ -11962,7 +11962,7 @@
           <a:p>
             <a:fld id="{5958763E-B898-436D-883D-03711491D54A}" type="datetimeFigureOut">
               <a:rPr lang="en-US" smtClean="0"/>
-              <a:t>1/13/2020</a:t>
+              <a:t>2/4/2020</a:t>
             </a:fld>
             <a:endParaRPr lang="en-US"/>
           </a:p>
@@ -12093,7 +12093,7 @@
           <a:p>
             <a:fld id="{5958763E-B898-436D-883D-03711491D54A}" type="datetimeFigureOut">
               <a:rPr lang="en-US" smtClean="0"/>
-              <a:t>1/13/2020</a:t>
+              <a:t>2/4/2020</a:t>
             </a:fld>
             <a:endParaRPr lang="en-US"/>
           </a:p>
@@ -12224,7 +12224,7 @@
           <a:p>
             <a:fld id="{5958763E-B898-436D-883D-03711491D54A}" type="datetimeFigureOut">
               <a:rPr lang="en-US" smtClean="0"/>
-              <a:t>1/13/2020</a:t>
+              <a:t>2/4/2020</a:t>
             </a:fld>
             <a:endParaRPr lang="en-US"/>
           </a:p>
@@ -12355,7 +12355,7 @@
           <a:p>
             <a:fld id="{5958763E-B898-436D-883D-03711491D54A}" type="datetimeFigureOut">
               <a:rPr lang="en-US" smtClean="0"/>
-              <a:t>1/13/2020</a:t>
+              <a:t>2/4/2020</a:t>
             </a:fld>
             <a:endParaRPr lang="en-US"/>
           </a:p>
@@ -12486,7 +12486,7 @@
           <a:p>
             <a:fld id="{5958763E-B898-436D-883D-03711491D54A}" type="datetimeFigureOut">
               <a:rPr lang="en-US" smtClean="0"/>
-              <a:t>1/13/2020</a:t>
+              <a:t>2/4/2020</a:t>
             </a:fld>
             <a:endParaRPr lang="en-US"/>
           </a:p>
@@ -12626,7 +12626,7 @@
           <a:p>
             <a:fld id="{5958763E-B898-436D-883D-03711491D54A}" type="datetimeFigureOut">
               <a:rPr lang="en-US" smtClean="0"/>
-              <a:t>1/13/2020</a:t>
+              <a:t>2/4/2020</a:t>
             </a:fld>
             <a:endParaRPr lang="en-US"/>
           </a:p>
@@ -15987,7 +15987,7 @@
             <a:fld id="{1C2D31DE-C454-491C-B5C3-F097855E3DF7}" type="datetime4">
               <a:rPr lang="en-US" smtClean="0"/>
               <a:pPr/>
-              <a:t>January 13, 2020</a:t>
+              <a:t>February 4, 2020</a:t>
             </a:fld>
             <a:endParaRPr lang="en-US" dirty="0"/>
           </a:p>
@@ -28232,7 +28232,7 @@
           <a:p>
             <a:fld id="{5958763E-B898-436D-883D-03711491D54A}" type="datetimeFigureOut">
               <a:rPr lang="en-US" smtClean="0"/>
-              <a:t>1/13/2020</a:t>
+              <a:t>2/4/2020</a:t>
             </a:fld>
             <a:endParaRPr lang="en-US"/>
           </a:p>
@@ -28641,7 +28641,7 @@
           <a:p>
             <a:fld id="{5958763E-B898-436D-883D-03711491D54A}" type="datetimeFigureOut">
               <a:rPr lang="en-US" smtClean="0"/>
-              <a:t>1/13/2020</a:t>
+              <a:t>2/4/2020</a:t>
             </a:fld>
             <a:endParaRPr lang="en-US"/>
           </a:p>
@@ -28942,7 +28942,7 @@
           <a:p>
             <a:fld id="{5958763E-B898-436D-883D-03711491D54A}" type="datetimeFigureOut">
               <a:rPr lang="en-US" smtClean="0"/>
-              <a:t>1/13/2020</a:t>
+              <a:t>2/4/2020</a:t>
             </a:fld>
             <a:endParaRPr lang="en-US"/>
           </a:p>
@@ -29150,7 +29150,7 @@
           <a:p>
             <a:fld id="{5958763E-B898-436D-883D-03711491D54A}" type="datetimeFigureOut">
               <a:rPr lang="en-US" smtClean="0"/>
-              <a:t>1/13/2020</a:t>
+              <a:t>2/4/2020</a:t>
             </a:fld>
             <a:endParaRPr lang="en-US"/>
           </a:p>
@@ -29418,7 +29418,7 @@
           <a:p>
             <a:fld id="{5958763E-B898-436D-883D-03711491D54A}" type="datetimeFigureOut">
               <a:rPr lang="en-US" smtClean="0"/>
-              <a:t>1/13/2020</a:t>
+              <a:t>2/4/2020</a:t>
             </a:fld>
             <a:endParaRPr lang="en-US"/>
           </a:p>
@@ -29935,7 +29935,7 @@
           <a:p>
             <a:fld id="{5958763E-B898-436D-883D-03711491D54A}" type="datetimeFigureOut">
               <a:rPr lang="en-US" smtClean="0"/>
-              <a:t>1/13/2020</a:t>
+              <a:t>2/4/2020</a:t>
             </a:fld>
             <a:endParaRPr lang="en-US"/>
           </a:p>
@@ -30423,7 +30423,7 @@
           <a:p>
             <a:fld id="{5958763E-B898-436D-883D-03711491D54A}" type="datetimeFigureOut">
               <a:rPr lang="en-US" smtClean="0"/>
-              <a:t>1/13/2020</a:t>
+              <a:t>2/4/2020</a:t>
             </a:fld>
             <a:endParaRPr lang="en-US"/>
           </a:p>
@@ -31249,7 +31249,7 @@
           <a:p>
             <a:fld id="{5958763E-B898-436D-883D-03711491D54A}" type="datetimeFigureOut">
               <a:rPr lang="en-US" smtClean="0"/>
-              <a:t>1/13/2020</a:t>
+              <a:t>2/4/2020</a:t>
             </a:fld>
             <a:endParaRPr lang="en-US"/>
           </a:p>
@@ -31457,7 +31457,7 @@
           <a:p>
             <a:fld id="{5958763E-B898-436D-883D-03711491D54A}" type="datetimeFigureOut">
               <a:rPr lang="en-US" smtClean="0"/>
-              <a:t>1/13/2020</a:t>
+              <a:t>2/4/2020</a:t>
             </a:fld>
             <a:endParaRPr lang="en-US"/>
           </a:p>
@@ -31799,7 +31799,7 @@
           <a:p>
             <a:fld id="{5958763E-B898-436D-883D-03711491D54A}" type="datetimeFigureOut">
               <a:rPr lang="en-US" smtClean="0"/>
-              <a:t>1/13/2020</a:t>
+              <a:t>2/4/2020</a:t>
             </a:fld>
             <a:endParaRPr lang="en-US"/>
           </a:p>
@@ -32036,7 +32036,7 @@
           <a:p>
             <a:fld id="{5958763E-B898-436D-883D-03711491D54A}" type="datetimeFigureOut">
               <a:rPr lang="en-US" smtClean="0"/>
-              <a:t>1/13/2020</a:t>
+              <a:t>2/4/2020</a:t>
             </a:fld>
             <a:endParaRPr lang="en-US"/>
           </a:p>
@@ -32287,7 +32287,7 @@
           <a:p>
             <a:fld id="{5958763E-B898-436D-883D-03711491D54A}" type="datetimeFigureOut">
               <a:rPr lang="en-US" smtClean="0"/>
-              <a:t>1/13/2020</a:t>
+              <a:t>2/4/2020</a:t>
             </a:fld>
             <a:endParaRPr lang="en-US"/>
           </a:p>
@@ -35915,7 +35915,6 @@
               <a:rPr lang="en-US" dirty="0" smtClean="0"/>
               <a:t>Express</a:t>
             </a:r>
-            <a:endParaRPr lang="en-US" dirty="0" smtClean="0"/>
           </a:p>
         </p:txBody>
       </p:sp>
@@ -36831,8 +36830,29 @@
                 </a:solidFill>
                 <a:latin typeface="Consolas" panose="020B0609020204030204" pitchFamily="49" charset="0"/>
               </a:rPr>
-              <a:t> install express –save</a:t>
+              <a:t> install express </a:t>
             </a:r>
+            <a:r>
+              <a:rPr lang="en-US" sz="3600" b="1" dirty="0" smtClean="0">
+                <a:solidFill>
+                  <a:schemeClr val="accent1">
+                    <a:lumMod val="40000"/>
+                    <a:lumOff val="60000"/>
+                  </a:schemeClr>
+                </a:solidFill>
+                <a:latin typeface="Consolas" panose="020B0609020204030204" pitchFamily="49" charset="0"/>
+              </a:rPr>
+              <a:t>–-save</a:t>
+            </a:r>
+            <a:endParaRPr lang="en-US" sz="3600" b="1" dirty="0" smtClean="0">
+              <a:solidFill>
+                <a:schemeClr val="accent1">
+                  <a:lumMod val="40000"/>
+                  <a:lumOff val="60000"/>
+                </a:schemeClr>
+              </a:solidFill>
+              <a:latin typeface="Consolas" panose="020B0609020204030204" pitchFamily="49" charset="0"/>
+            </a:endParaRPr>
           </a:p>
           <a:p>
             <a:pPr lvl="1"/>

--- a/ExpressProjects/ExpressProjects.pptx
+++ b/ExpressProjects/ExpressProjects.pptx
@@ -5,7 +5,7 @@
     <p:sldMasterId id="2147483648" r:id="rId1"/>
   </p:sldMasterIdLst>
   <p:notesMasterIdLst>
-    <p:notesMasterId r:id="rId7"/>
+    <p:notesMasterId r:id="rId8"/>
   </p:notesMasterIdLst>
   <p:sldIdLst>
     <p:sldId id="258" r:id="rId2"/>
@@ -13,6 +13,7 @@
     <p:sldId id="299" r:id="rId4"/>
     <p:sldId id="301" r:id="rId5"/>
     <p:sldId id="300" r:id="rId6"/>
+    <p:sldId id="302" r:id="rId7"/>
   </p:sldIdLst>
   <p:sldSz cx="12192000" cy="6858000"/>
   <p:notesSz cx="6858000" cy="9144000"/>
@@ -212,7 +213,7 @@
           <a:p>
             <a:fld id="{19104133-B5B0-4351-8158-4F0E5EB1E2BF}" type="datetimeFigureOut">
               <a:rPr lang="en-US" smtClean="0"/>
-              <a:t>2/4/2020</a:t>
+              <a:t>1/20/2021</a:t>
             </a:fld>
             <a:endParaRPr lang="en-US"/>
           </a:p>
@@ -276,38 +277,37 @@
           <a:p>
             <a:pPr lvl="0"/>
             <a:r>
-              <a:rPr lang="en-US" smtClean="0"/>
+              <a:rPr lang="en-US"/>
               <a:t>Edit Master text styles</a:t>
             </a:r>
           </a:p>
           <a:p>
             <a:pPr lvl="1"/>
             <a:r>
-              <a:rPr lang="en-US" smtClean="0"/>
+              <a:rPr lang="en-US"/>
               <a:t>Second level</a:t>
             </a:r>
           </a:p>
           <a:p>
             <a:pPr lvl="2"/>
             <a:r>
-              <a:rPr lang="en-US" smtClean="0"/>
+              <a:rPr lang="en-US"/>
               <a:t>Third level</a:t>
             </a:r>
           </a:p>
           <a:p>
             <a:pPr lvl="3"/>
             <a:r>
-              <a:rPr lang="en-US" smtClean="0"/>
+              <a:rPr lang="en-US"/>
               <a:t>Fourth level</a:t>
             </a:r>
           </a:p>
           <a:p>
             <a:pPr lvl="4"/>
             <a:r>
-              <a:rPr lang="en-US" smtClean="0"/>
+              <a:rPr lang="en-US"/>
               <a:t>Fifth level</a:t>
             </a:r>
-            <a:endParaRPr lang="en-US"/>
           </a:p>
         </p:txBody>
       </p:sp>
@@ -525,11 +525,11 @@
           <a:lstStyle/>
           <a:p>
             <a:r>
-              <a:rPr lang="en-US" dirty="0" smtClean="0"/>
+              <a:rPr lang="en-US" dirty="0"/>
               <a:t>Watch the video that introduces </a:t>
             </a:r>
             <a:r>
-              <a:rPr lang="en-US" dirty="0" err="1" smtClean="0"/>
+              <a:rPr lang="en-US" dirty="0" err="1"/>
               <a:t>npm</a:t>
             </a:r>
             <a:endParaRPr lang="en-US" dirty="0"/>
@@ -617,19 +617,19 @@
           <a:lstStyle/>
           <a:p>
             <a:r>
-              <a:rPr lang="en-US" dirty="0" smtClean="0"/>
+              <a:rPr lang="en-US" dirty="0"/>
               <a:t>We will walk through the creation</a:t>
             </a:r>
             <a:r>
-              <a:rPr lang="en-US" baseline="0" dirty="0" smtClean="0"/>
+              <a:rPr lang="en-US" baseline="0" dirty="0"/>
               <a:t> of an </a:t>
             </a:r>
             <a:r>
-              <a:rPr lang="en-US" baseline="0" dirty="0" err="1" smtClean="0"/>
+              <a:rPr lang="en-US" baseline="0" dirty="0" err="1"/>
               <a:t>npm</a:t>
             </a:r>
             <a:r>
-              <a:rPr lang="en-US" baseline="0" dirty="0" smtClean="0"/>
+              <a:rPr lang="en-US" baseline="0" dirty="0"/>
               <a:t> project </a:t>
             </a:r>
             <a:endParaRPr lang="en-US" dirty="0"/>
@@ -717,15 +717,15 @@
           <a:lstStyle/>
           <a:p>
             <a:r>
-              <a:rPr lang="en-US" dirty="0" smtClean="0"/>
+              <a:rPr lang="en-US" dirty="0"/>
               <a:t>Express means</a:t>
             </a:r>
             <a:r>
-              <a:rPr lang="en-US" baseline="0" dirty="0" smtClean="0"/>
+              <a:rPr lang="en-US" baseline="0" dirty="0"/>
               <a:t> we don’t need to write a bunch of extra boiler-plate node code to handle requests. Express replaces the `http` node modules we were using before. It makes it much easier to send HTML files to </a:t>
             </a:r>
             <a:r>
-              <a:rPr lang="en-US" baseline="0" smtClean="0"/>
+              <a:rPr lang="en-US" baseline="0"/>
               <a:t>the browser.</a:t>
             </a:r>
             <a:endParaRPr lang="en-US" dirty="0"/>
@@ -908,15 +908,7 @@
           <a:p>
             <a:r>
               <a:rPr lang="en-US" dirty="0"/>
-              <a:t>Click to edit Master </a:t>
-            </a:r>
-            <a:r>
-              <a:rPr lang="en-US" dirty="0" smtClean="0"/>
-              <a:t>subtitle </a:t>
-            </a:r>
-            <a:r>
-              <a:rPr lang="en-US" dirty="0"/>
-              <a:t>style</a:t>
+              <a:t>Click to edit Master subtitle style</a:t>
             </a:r>
           </a:p>
         </p:txBody>
@@ -958,7 +950,7 @@
             <a:fld id="{1C2D31DE-C454-491C-B5C3-F097855E3DF7}" type="datetime4">
               <a:rPr lang="en-US" smtClean="0"/>
               <a:pPr/>
-              <a:t>February 4, 2020</a:t>
+              <a:t>January 20, 2021</a:t>
             </a:fld>
             <a:endParaRPr lang="en-US" dirty="0"/>
           </a:p>
@@ -4032,17 +4024,16 @@
           <a:p>
             <a:pPr lvl="0"/>
             <a:r>
-              <a:rPr lang="en-US" dirty="0" smtClean="0"/>
+              <a:rPr lang="en-US" dirty="0"/>
               <a:t>Presenter Name</a:t>
             </a:r>
             <a:br>
-              <a:rPr lang="en-US" dirty="0" smtClean="0"/>
+              <a:rPr lang="en-US" dirty="0"/>
             </a:br>
             <a:r>
-              <a:rPr lang="en-US" dirty="0" smtClean="0"/>
+              <a:rPr lang="en-US" dirty="0"/>
               <a:t>Presenter Title</a:t>
             </a:r>
-            <a:endParaRPr lang="en-US" dirty="0"/>
           </a:p>
         </p:txBody>
       </p:sp>
@@ -4059,13 +4050,6 @@
   <p:transition>
     <p:fade/>
   </p:transition>
-  <p:timing>
-    <p:tnLst>
-      <p:par>
-        <p:cTn id="1" dur="indefinite" restart="never" nodeType="tmRoot"/>
-      </p:par>
-    </p:tnLst>
-  </p:timing>
   <p:hf sldNum="0" hdr="0" ftr="0"/>
 </p:sldLayout>
 </file>
@@ -4358,7 +4342,7 @@
           <a:p>
             <a:fld id="{5958763E-B898-436D-883D-03711491D54A}" type="datetimeFigureOut">
               <a:rPr lang="en-US" smtClean="0"/>
-              <a:t>2/4/2020</a:t>
+              <a:t>1/20/2021</a:t>
             </a:fld>
             <a:endParaRPr lang="en-US"/>
           </a:p>
@@ -4431,13 +4415,6 @@
   <p:transition>
     <p:fade/>
   </p:transition>
-  <p:timing>
-    <p:tnLst>
-      <p:par>
-        <p:cTn id="1" dur="indefinite" restart="never" nodeType="tmRoot"/>
-      </p:par>
-    </p:tnLst>
-  </p:timing>
 </p:sldLayout>
 </file>
 
@@ -4486,10 +4463,9 @@
           </a:lstStyle>
           <a:p>
             <a:r>
-              <a:rPr lang="en-US" dirty="0" smtClean="0"/>
+              <a:rPr lang="en-US" dirty="0"/>
               <a:t>Click icon to add picture</a:t>
             </a:r>
-            <a:endParaRPr lang="en-US" dirty="0"/>
           </a:p>
         </p:txBody>
       </p:sp>
@@ -4559,7 +4535,7 @@
           <a:p>
             <a:fld id="{5958763E-B898-436D-883D-03711491D54A}" type="datetimeFigureOut">
               <a:rPr lang="en-US" smtClean="0"/>
-              <a:t>2/4/2020</a:t>
+              <a:t>1/20/2021</a:t>
             </a:fld>
             <a:endParaRPr lang="en-US"/>
           </a:p>
@@ -4632,13 +4608,6 @@
   <p:transition>
     <p:fade/>
   </p:transition>
-  <p:timing>
-    <p:tnLst>
-      <p:par>
-        <p:cTn id="1" dur="indefinite" restart="never" nodeType="tmRoot"/>
-      </p:par>
-    </p:tnLst>
-  </p:timing>
 </p:sldLayout>
 </file>
 
@@ -4816,7 +4785,7 @@
           <a:p>
             <a:fld id="{5958763E-B898-436D-883D-03711491D54A}" type="datetimeFigureOut">
               <a:rPr lang="en-US" smtClean="0"/>
-              <a:t>2/4/2020</a:t>
+              <a:t>1/20/2021</a:t>
             </a:fld>
             <a:endParaRPr lang="en-US"/>
           </a:p>
@@ -4889,13 +4858,6 @@
   <p:transition>
     <p:fade/>
   </p:transition>
-  <p:timing>
-    <p:tnLst>
-      <p:par>
-        <p:cTn id="1" dur="indefinite" restart="never" nodeType="tmRoot"/>
-      </p:par>
-    </p:tnLst>
-  </p:timing>
 </p:sldLayout>
 </file>
 
@@ -5171,7 +5133,7 @@
           <a:p>
             <a:fld id="{5958763E-B898-436D-883D-03711491D54A}" type="datetimeFigureOut">
               <a:rPr lang="en-US" smtClean="0"/>
-              <a:t>2/4/2020</a:t>
+              <a:t>1/20/2021</a:t>
             </a:fld>
             <a:endParaRPr lang="en-US"/>
           </a:p>
@@ -5232,13 +5194,6 @@
   <p:transition>
     <p:fade/>
   </p:transition>
-  <p:timing>
-    <p:tnLst>
-      <p:par>
-        <p:cTn id="1" dur="indefinite" restart="never" nodeType="tmRoot"/>
-      </p:par>
-    </p:tnLst>
-  </p:timing>
 </p:sldLayout>
 </file>
 
@@ -5594,7 +5549,7 @@
           <a:p>
             <a:fld id="{5958763E-B898-436D-883D-03711491D54A}" type="datetimeFigureOut">
               <a:rPr lang="en-US" smtClean="0"/>
-              <a:t>2/4/2020</a:t>
+              <a:t>1/20/2021</a:t>
             </a:fld>
             <a:endParaRPr lang="en-US"/>
           </a:p>
@@ -5655,13 +5610,6 @@
   <p:transition>
     <p:fade/>
   </p:transition>
-  <p:timing>
-    <p:tnLst>
-      <p:par>
-        <p:cTn id="1" dur="indefinite" restart="never" nodeType="tmRoot"/>
-      </p:par>
-    </p:tnLst>
-  </p:timing>
 </p:sldLayout>
 </file>
 
@@ -6102,7 +6050,7 @@
           <a:p>
             <a:fld id="{5958763E-B898-436D-883D-03711491D54A}" type="datetimeFigureOut">
               <a:rPr lang="en-US" smtClean="0"/>
-              <a:t>2/4/2020</a:t>
+              <a:t>1/20/2021</a:t>
             </a:fld>
             <a:endParaRPr lang="en-US"/>
           </a:p>
@@ -6163,13 +6111,6 @@
   <p:transition>
     <p:fade/>
   </p:transition>
-  <p:timing>
-    <p:tnLst>
-      <p:par>
-        <p:cTn id="1" dur="indefinite" restart="never" nodeType="tmRoot"/>
-      </p:par>
-    </p:tnLst>
-  </p:timing>
 </p:sldLayout>
 </file>
 
@@ -6560,7 +6501,7 @@
           <a:p>
             <a:fld id="{5958763E-B898-436D-883D-03711491D54A}" type="datetimeFigureOut">
               <a:rPr lang="en-US" smtClean="0"/>
-              <a:t>2/4/2020</a:t>
+              <a:t>1/20/2021</a:t>
             </a:fld>
             <a:endParaRPr lang="en-US"/>
           </a:p>
@@ -6621,13 +6562,6 @@
   <p:transition>
     <p:fade/>
   </p:transition>
-  <p:timing>
-    <p:tnLst>
-      <p:par>
-        <p:cTn id="1" dur="indefinite" restart="never" nodeType="tmRoot"/>
-      </p:par>
-    </p:tnLst>
-  </p:timing>
 </p:sldLayout>
 </file>
 
@@ -7178,7 +7112,7 @@
           <a:p>
             <a:fld id="{5958763E-B898-436D-883D-03711491D54A}" type="datetimeFigureOut">
               <a:rPr lang="en-US" smtClean="0"/>
-              <a:t>2/4/2020</a:t>
+              <a:t>1/20/2021</a:t>
             </a:fld>
             <a:endParaRPr lang="en-US"/>
           </a:p>
@@ -7239,13 +7173,6 @@
   <p:transition>
     <p:fade/>
   </p:transition>
-  <p:timing>
-    <p:tnLst>
-      <p:par>
-        <p:cTn id="1" dur="indefinite" restart="never" nodeType="tmRoot"/>
-      </p:par>
-    </p:tnLst>
-  </p:timing>
 </p:sldLayout>
 </file>
 
@@ -7956,7 +7883,7 @@
           <a:p>
             <a:fld id="{5958763E-B898-436D-883D-03711491D54A}" type="datetimeFigureOut">
               <a:rPr lang="en-US" smtClean="0"/>
-              <a:t>2/4/2020</a:t>
+              <a:t>1/20/2021</a:t>
             </a:fld>
             <a:endParaRPr lang="en-US"/>
           </a:p>
@@ -8017,13 +7944,6 @@
   <p:transition>
     <p:fade/>
   </p:transition>
-  <p:timing>
-    <p:tnLst>
-      <p:par>
-        <p:cTn id="1" dur="indefinite" restart="never" nodeType="tmRoot"/>
-      </p:par>
-    </p:tnLst>
-  </p:timing>
 </p:sldLayout>
 </file>
 
@@ -8067,7 +7987,7 @@
           <a:p>
             <a:fld id="{5958763E-B898-436D-883D-03711491D54A}" type="datetimeFigureOut">
               <a:rPr lang="en-US" smtClean="0"/>
-              <a:t>2/4/2020</a:t>
+              <a:t>1/20/2021</a:t>
             </a:fld>
             <a:endParaRPr lang="en-US"/>
           </a:p>
@@ -8140,13 +8060,6 @@
   <p:transition>
     <p:fade/>
   </p:transition>
-  <p:timing>
-    <p:tnLst>
-      <p:par>
-        <p:cTn id="1" dur="indefinite" restart="never" nodeType="tmRoot"/>
-      </p:par>
-    </p:tnLst>
-  </p:timing>
 </p:sldLayout>
 </file>
 
@@ -8226,7 +8139,7 @@
                 <a:spcPct val="0"/>
               </a:spcAft>
             </a:pPr>
-            <a:endParaRPr lang="en-US" sz="2400" dirty="0" err="1" smtClean="0">
+            <a:endParaRPr lang="en-US" sz="2400" dirty="0" err="1">
               <a:gradFill>
                 <a:gsLst>
                   <a:gs pos="0">
@@ -8359,15 +8272,7 @@
           <a:p>
             <a:r>
               <a:rPr lang="en-US" dirty="0"/>
-              <a:t>Click to edit Master </a:t>
-            </a:r>
-            <a:r>
-              <a:rPr lang="en-US" dirty="0" smtClean="0"/>
-              <a:t>subtitle </a:t>
-            </a:r>
-            <a:r>
-              <a:rPr lang="en-US" dirty="0"/>
-              <a:t>style</a:t>
+              <a:t>Click to edit Master subtitle style</a:t>
             </a:r>
           </a:p>
         </p:txBody>
@@ -8409,7 +8314,7 @@
             <a:fld id="{1C2D31DE-C454-491C-B5C3-F097855E3DF7}" type="datetime4">
               <a:rPr lang="en-US" smtClean="0"/>
               <a:pPr/>
-              <a:t>February 4, 2020</a:t>
+              <a:t>January 20, 2021</a:t>
             </a:fld>
             <a:endParaRPr lang="en-US" dirty="0"/>
           </a:p>
@@ -11483,17 +11388,16 @@
           <a:p>
             <a:pPr lvl="0"/>
             <a:r>
-              <a:rPr lang="en-US" dirty="0" smtClean="0"/>
+              <a:rPr lang="en-US" dirty="0"/>
               <a:t>Presenter Name</a:t>
             </a:r>
             <a:br>
-              <a:rPr lang="en-US" dirty="0" smtClean="0"/>
+              <a:rPr lang="en-US" dirty="0"/>
             </a:br>
             <a:r>
-              <a:rPr lang="en-US" dirty="0" smtClean="0"/>
+              <a:rPr lang="en-US" dirty="0"/>
               <a:t>Presenter Title</a:t>
             </a:r>
-            <a:endParaRPr lang="en-US" dirty="0"/>
           </a:p>
         </p:txBody>
       </p:sp>
@@ -11510,13 +11414,6 @@
   <p:transition>
     <p:fade/>
   </p:transition>
-  <p:timing>
-    <p:tnLst>
-      <p:par>
-        <p:cTn id="1" dur="indefinite" restart="never" nodeType="tmRoot"/>
-      </p:par>
-    </p:tnLst>
-  </p:timing>
   <p:hf sldNum="0" hdr="0" ftr="0"/>
 </p:sldLayout>
 </file>
@@ -11569,7 +11466,7 @@
           <a:p>
             <a:fld id="{5958763E-B898-436D-883D-03711491D54A}" type="datetimeFigureOut">
               <a:rPr lang="en-US" smtClean="0"/>
-              <a:t>2/4/2020</a:t>
+              <a:t>1/20/2021</a:t>
             </a:fld>
             <a:endParaRPr lang="en-US"/>
           </a:p>
@@ -11642,13 +11539,6 @@
   <p:transition>
     <p:fade/>
   </p:transition>
-  <p:timing>
-    <p:tnLst>
-      <p:par>
-        <p:cTn id="1" dur="indefinite" restart="never" nodeType="tmRoot"/>
-      </p:par>
-    </p:tnLst>
-  </p:timing>
 </p:sldLayout>
 </file>
 
@@ -11700,7 +11590,7 @@
           <a:p>
             <a:fld id="{5958763E-B898-436D-883D-03711491D54A}" type="datetimeFigureOut">
               <a:rPr lang="en-US" smtClean="0"/>
-              <a:t>2/4/2020</a:t>
+              <a:t>1/20/2021</a:t>
             </a:fld>
             <a:endParaRPr lang="en-US"/>
           </a:p>
@@ -11773,13 +11663,6 @@
   <p:transition>
     <p:fade/>
   </p:transition>
-  <p:timing>
-    <p:tnLst>
-      <p:par>
-        <p:cTn id="1" dur="indefinite" restart="never" nodeType="tmRoot"/>
-      </p:par>
-    </p:tnLst>
-  </p:timing>
 </p:sldLayout>
 </file>
 
@@ -11831,7 +11714,7 @@
           <a:p>
             <a:fld id="{5958763E-B898-436D-883D-03711491D54A}" type="datetimeFigureOut">
               <a:rPr lang="en-US" smtClean="0"/>
-              <a:t>2/4/2020</a:t>
+              <a:t>1/20/2021</a:t>
             </a:fld>
             <a:endParaRPr lang="en-US"/>
           </a:p>
@@ -11904,13 +11787,6 @@
   <p:transition>
     <p:fade/>
   </p:transition>
-  <p:timing>
-    <p:tnLst>
-      <p:par>
-        <p:cTn id="1" dur="indefinite" restart="never" nodeType="tmRoot"/>
-      </p:par>
-    </p:tnLst>
-  </p:timing>
 </p:sldLayout>
 </file>
 
@@ -11962,7 +11838,7 @@
           <a:p>
             <a:fld id="{5958763E-B898-436D-883D-03711491D54A}" type="datetimeFigureOut">
               <a:rPr lang="en-US" smtClean="0"/>
-              <a:t>2/4/2020</a:t>
+              <a:t>1/20/2021</a:t>
             </a:fld>
             <a:endParaRPr lang="en-US"/>
           </a:p>
@@ -12035,13 +11911,6 @@
   <p:transition>
     <p:fade/>
   </p:transition>
-  <p:timing>
-    <p:tnLst>
-      <p:par>
-        <p:cTn id="1" dur="indefinite" restart="never" nodeType="tmRoot"/>
-      </p:par>
-    </p:tnLst>
-  </p:timing>
 </p:sldLayout>
 </file>
 
@@ -12093,7 +11962,7 @@
           <a:p>
             <a:fld id="{5958763E-B898-436D-883D-03711491D54A}" type="datetimeFigureOut">
               <a:rPr lang="en-US" smtClean="0"/>
-              <a:t>2/4/2020</a:t>
+              <a:t>1/20/2021</a:t>
             </a:fld>
             <a:endParaRPr lang="en-US"/>
           </a:p>
@@ -12166,13 +12035,6 @@
   <p:transition>
     <p:fade/>
   </p:transition>
-  <p:timing>
-    <p:tnLst>
-      <p:par>
-        <p:cTn id="1" dur="indefinite" restart="never" nodeType="tmRoot"/>
-      </p:par>
-    </p:tnLst>
-  </p:timing>
 </p:sldLayout>
 </file>
 
@@ -12224,7 +12086,7 @@
           <a:p>
             <a:fld id="{5958763E-B898-436D-883D-03711491D54A}" type="datetimeFigureOut">
               <a:rPr lang="en-US" smtClean="0"/>
-              <a:t>2/4/2020</a:t>
+              <a:t>1/20/2021</a:t>
             </a:fld>
             <a:endParaRPr lang="en-US"/>
           </a:p>
@@ -12297,13 +12159,6 @@
   <p:transition>
     <p:fade/>
   </p:transition>
-  <p:timing>
-    <p:tnLst>
-      <p:par>
-        <p:cTn id="1" dur="indefinite" restart="never" nodeType="tmRoot"/>
-      </p:par>
-    </p:tnLst>
-  </p:timing>
 </p:sldLayout>
 </file>
 
@@ -12355,7 +12210,7 @@
           <a:p>
             <a:fld id="{5958763E-B898-436D-883D-03711491D54A}" type="datetimeFigureOut">
               <a:rPr lang="en-US" smtClean="0"/>
-              <a:t>2/4/2020</a:t>
+              <a:t>1/20/2021</a:t>
             </a:fld>
             <a:endParaRPr lang="en-US"/>
           </a:p>
@@ -12428,13 +12283,6 @@
   <p:transition>
     <p:fade/>
   </p:transition>
-  <p:timing>
-    <p:tnLst>
-      <p:par>
-        <p:cTn id="1" dur="indefinite" restart="never" nodeType="tmRoot"/>
-      </p:par>
-    </p:tnLst>
-  </p:timing>
 </p:sldLayout>
 </file>
 
@@ -12486,7 +12334,7 @@
           <a:p>
             <a:fld id="{5958763E-B898-436D-883D-03711491D54A}" type="datetimeFigureOut">
               <a:rPr lang="en-US" smtClean="0"/>
-              <a:t>2/4/2020</a:t>
+              <a:t>1/20/2021</a:t>
             </a:fld>
             <a:endParaRPr lang="en-US"/>
           </a:p>
@@ -12559,13 +12407,6 @@
   <p:transition>
     <p:fade/>
   </p:transition>
-  <p:timing>
-    <p:tnLst>
-      <p:par>
-        <p:cTn id="1" dur="indefinite" restart="never" nodeType="tmRoot"/>
-      </p:par>
-    </p:tnLst>
-  </p:timing>
 </p:sldLayout>
 </file>
 
@@ -12626,7 +12467,7 @@
           <a:p>
             <a:fld id="{5958763E-B898-436D-883D-03711491D54A}" type="datetimeFigureOut">
               <a:rPr lang="en-US" smtClean="0"/>
-              <a:t>2/4/2020</a:t>
+              <a:t>1/20/2021</a:t>
             </a:fld>
             <a:endParaRPr lang="en-US"/>
           </a:p>
@@ -12699,13 +12540,6 @@
   <p:transition>
     <p:fade/>
   </p:transition>
-  <p:timing>
-    <p:tnLst>
-      <p:par>
-        <p:cTn id="1" dur="indefinite" restart="never" nodeType="tmRoot"/>
-      </p:par>
-    </p:tnLst>
-  </p:timing>
 </p:sldLayout>
 </file>
 
@@ -15707,13 +15541,6 @@
   <p:transition>
     <p:fade/>
   </p:transition>
-  <p:timing>
-    <p:tnLst>
-      <p:par>
-        <p:cTn id="1" dur="indefinite" restart="never" nodeType="tmRoot"/>
-      </p:par>
-    </p:tnLst>
-  </p:timing>
 </p:sldLayout>
 </file>
 
@@ -15801,7 +15628,7 @@
                 <a:spcPct val="0"/>
               </a:spcAft>
             </a:pPr>
-            <a:endParaRPr lang="en-US" sz="2400" dirty="0" err="1" smtClean="0">
+            <a:endParaRPr lang="en-US" sz="2400" dirty="0" err="1">
               <a:gradFill>
                 <a:gsLst>
                   <a:gs pos="0">
@@ -15937,15 +15764,7 @@
           <a:p>
             <a:r>
               <a:rPr lang="en-US" dirty="0"/>
-              <a:t>Click to edit Master </a:t>
-            </a:r>
-            <a:r>
-              <a:rPr lang="en-US" dirty="0" smtClean="0"/>
-              <a:t>subtitle </a:t>
-            </a:r>
-            <a:r>
-              <a:rPr lang="en-US" dirty="0"/>
-              <a:t>style</a:t>
+              <a:t>Click to edit Master subtitle style</a:t>
             </a:r>
           </a:p>
         </p:txBody>
@@ -15987,7 +15806,7 @@
             <a:fld id="{1C2D31DE-C454-491C-B5C3-F097855E3DF7}" type="datetime4">
               <a:rPr lang="en-US" smtClean="0"/>
               <a:pPr/>
-              <a:t>February 4, 2020</a:t>
+              <a:t>January 20, 2021</a:t>
             </a:fld>
             <a:endParaRPr lang="en-US" dirty="0"/>
           </a:p>
@@ -19069,17 +18888,16 @@
           <a:p>
             <a:pPr lvl="0"/>
             <a:r>
-              <a:rPr lang="en-US" dirty="0" smtClean="0"/>
+              <a:rPr lang="en-US" dirty="0"/>
               <a:t>Presenter Name</a:t>
             </a:r>
             <a:br>
-              <a:rPr lang="en-US" dirty="0" smtClean="0"/>
+              <a:rPr lang="en-US" dirty="0"/>
             </a:br>
             <a:r>
-              <a:rPr lang="en-US" dirty="0" smtClean="0"/>
+              <a:rPr lang="en-US" dirty="0"/>
               <a:t>Presenter Title</a:t>
             </a:r>
-            <a:endParaRPr lang="en-US" dirty="0"/>
           </a:p>
         </p:txBody>
       </p:sp>
@@ -19096,13 +18914,6 @@
   <p:transition>
     <p:fade/>
   </p:transition>
-  <p:timing>
-    <p:tnLst>
-      <p:par>
-        <p:cTn id="1" dur="indefinite" restart="never" nodeType="tmRoot"/>
-      </p:par>
-    </p:tnLst>
-  </p:timing>
   <p:hf sldNum="0" hdr="0" ftr="0"/>
 </p:sldLayout>
 </file>
@@ -26612,10 +26423,9 @@
           <a:p>
             <a:pPr lvl="0"/>
             <a:r>
-              <a:rPr lang="en-US" dirty="0" smtClean="0"/>
+              <a:rPr lang="en-US" dirty="0"/>
               <a:t>&lt;Call to action&gt;</a:t>
             </a:r>
-            <a:endParaRPr lang="en-US" dirty="0"/>
           </a:p>
         </p:txBody>
       </p:sp>
@@ -28232,7 +28042,7 @@
           <a:p>
             <a:fld id="{5958763E-B898-436D-883D-03711491D54A}" type="datetimeFigureOut">
               <a:rPr lang="en-US" smtClean="0"/>
-              <a:t>2/4/2020</a:t>
+              <a:t>1/20/2021</a:t>
             </a:fld>
             <a:endParaRPr lang="en-US"/>
           </a:p>
@@ -28359,7 +28169,7 @@
                 <a:spcPct val="0"/>
               </a:spcAft>
             </a:pPr>
-            <a:endParaRPr lang="en-US" sz="2400" dirty="0" err="1" smtClean="0">
+            <a:endParaRPr lang="en-US" sz="2400" dirty="0" err="1">
               <a:gradFill>
                 <a:gsLst>
                   <a:gs pos="0">
@@ -28390,13 +28200,6 @@
   <p:transition>
     <p:fade/>
   </p:transition>
-  <p:timing>
-    <p:tnLst>
-      <p:par>
-        <p:cTn id="1" dur="indefinite" restart="never" nodeType="tmRoot"/>
-      </p:par>
-    </p:tnLst>
-  </p:timing>
 </p:sldLayout>
 </file>
 
@@ -28641,7 +28444,7 @@
           <a:p>
             <a:fld id="{5958763E-B898-436D-883D-03711491D54A}" type="datetimeFigureOut">
               <a:rPr lang="en-US" smtClean="0"/>
-              <a:t>2/4/2020</a:t>
+              <a:t>1/20/2021</a:t>
             </a:fld>
             <a:endParaRPr lang="en-US"/>
           </a:p>
@@ -28714,13 +28517,6 @@
   <p:transition>
     <p:fade/>
   </p:transition>
-  <p:timing>
-    <p:tnLst>
-      <p:par>
-        <p:cTn id="1" dur="indefinite" restart="never" nodeType="tmRoot"/>
-      </p:par>
-    </p:tnLst>
-  </p:timing>
 </p:sldLayout>
 </file>
 
@@ -28942,7 +28738,7 @@
           <a:p>
             <a:fld id="{5958763E-B898-436D-883D-03711491D54A}" type="datetimeFigureOut">
               <a:rPr lang="en-US" smtClean="0"/>
-              <a:t>2/4/2020</a:t>
+              <a:t>1/20/2021</a:t>
             </a:fld>
             <a:endParaRPr lang="en-US"/>
           </a:p>
@@ -29015,13 +28811,6 @@
   <p:transition>
     <p:fade/>
   </p:transition>
-  <p:timing>
-    <p:tnLst>
-      <p:par>
-        <p:cTn id="1" dur="indefinite" restart="never" nodeType="tmRoot"/>
-      </p:par>
-    </p:tnLst>
-  </p:timing>
 </p:sldLayout>
 </file>
 
@@ -29150,7 +28939,7 @@
           <a:p>
             <a:fld id="{5958763E-B898-436D-883D-03711491D54A}" type="datetimeFigureOut">
               <a:rPr lang="en-US" smtClean="0"/>
-              <a:t>2/4/2020</a:t>
+              <a:t>1/20/2021</a:t>
             </a:fld>
             <a:endParaRPr lang="en-US"/>
           </a:p>
@@ -29273,13 +29062,6 @@
   <p:transition>
     <p:fade/>
   </p:transition>
-  <p:timing>
-    <p:tnLst>
-      <p:par>
-        <p:cTn id="1" dur="indefinite" restart="never" nodeType="tmRoot"/>
-      </p:par>
-    </p:tnLst>
-  </p:timing>
 </p:sldLayout>
 </file>
 
@@ -29418,7 +29200,7 @@
           <a:p>
             <a:fld id="{5958763E-B898-436D-883D-03711491D54A}" type="datetimeFigureOut">
               <a:rPr lang="en-US" smtClean="0"/>
-              <a:t>2/4/2020</a:t>
+              <a:t>1/20/2021</a:t>
             </a:fld>
             <a:endParaRPr lang="en-US"/>
           </a:p>
@@ -29545,13 +29327,6 @@
   <p:transition>
     <p:fade/>
   </p:transition>
-  <p:timing>
-    <p:tnLst>
-      <p:par>
-        <p:cTn id="1" dur="indefinite" restart="never" nodeType="tmRoot"/>
-      </p:par>
-    </p:tnLst>
-  </p:timing>
 </p:sldLayout>
 </file>
 
@@ -29713,7 +29488,7 @@
                 <a:spcPct val="0"/>
               </a:spcAft>
             </a:pPr>
-            <a:endParaRPr lang="en-US" sz="2400" dirty="0" err="1" smtClean="0">
+            <a:endParaRPr lang="en-US" sz="2400" dirty="0" err="1">
               <a:gradFill>
                 <a:gsLst>
                   <a:gs pos="0">
@@ -29764,10 +29539,9 @@
           </a:lstStyle>
           <a:p>
             <a:r>
-              <a:rPr lang="en-US" dirty="0" smtClean="0"/>
+              <a:rPr lang="en-US" dirty="0"/>
               <a:t>Type “Agenda”</a:t>
             </a:r>
-            <a:endParaRPr lang="en-US" dirty="0"/>
           </a:p>
         </p:txBody>
       </p:sp>
@@ -29891,24 +29665,23 @@
           <a:p>
             <a:pPr lvl="0"/>
             <a:r>
-              <a:rPr lang="en-US" dirty="0" smtClean="0"/>
+              <a:rPr lang="en-US" dirty="0"/>
               <a:t>Item 1</a:t>
             </a:r>
           </a:p>
           <a:p>
             <a:pPr lvl="0"/>
             <a:r>
-              <a:rPr lang="en-US" dirty="0" smtClean="0"/>
+              <a:rPr lang="en-US" dirty="0"/>
               <a:t>Item 2</a:t>
             </a:r>
           </a:p>
           <a:p>
             <a:pPr lvl="0"/>
             <a:r>
-              <a:rPr lang="en-US" dirty="0" smtClean="0"/>
+              <a:rPr lang="en-US" dirty="0"/>
               <a:t>Item 3</a:t>
             </a:r>
-            <a:endParaRPr lang="en-US" dirty="0"/>
           </a:p>
         </p:txBody>
       </p:sp>
@@ -29935,7 +29708,7 @@
           <a:p>
             <a:fld id="{5958763E-B898-436D-883D-03711491D54A}" type="datetimeFigureOut">
               <a:rPr lang="en-US" smtClean="0"/>
-              <a:t>2/4/2020</a:t>
+              <a:t>1/20/2021</a:t>
             </a:fld>
             <a:endParaRPr lang="en-US"/>
           </a:p>
@@ -30042,13 +29815,6 @@
   <p:transition>
     <p:fade/>
   </p:transition>
-  <p:timing>
-    <p:tnLst>
-      <p:par>
-        <p:cTn id="1" dur="indefinite" restart="never" nodeType="tmRoot"/>
-      </p:par>
-    </p:tnLst>
-  </p:timing>
 </p:sldLayout>
 </file>
 
@@ -30210,7 +29976,7 @@
                 <a:spcPct val="0"/>
               </a:spcAft>
             </a:pPr>
-            <a:endParaRPr lang="en-US" sz="2400" dirty="0" err="1" smtClean="0">
+            <a:endParaRPr lang="en-US" sz="2400" dirty="0" err="1">
               <a:gradFill>
                 <a:gsLst>
                   <a:gs pos="0">
@@ -30263,10 +30029,9 @@
           </a:lstStyle>
           <a:p>
             <a:r>
-              <a:rPr lang="en-US" dirty="0" smtClean="0"/>
+              <a:rPr lang="en-US" dirty="0"/>
               <a:t>Notable Quote</a:t>
             </a:r>
-            <a:endParaRPr lang="en-US" dirty="0"/>
           </a:p>
         </p:txBody>
       </p:sp>
@@ -30393,10 +30158,9 @@
           <a:p>
             <a:pPr lvl="0"/>
             <a:r>
-              <a:rPr lang="en-US" dirty="0" smtClean="0"/>
+              <a:rPr lang="en-US" dirty="0"/>
               <a:t>– Attribution</a:t>
             </a:r>
-            <a:endParaRPr lang="en-US" dirty="0"/>
           </a:p>
         </p:txBody>
       </p:sp>
@@ -30423,7 +30187,7 @@
           <a:p>
             <a:fld id="{5958763E-B898-436D-883D-03711491D54A}" type="datetimeFigureOut">
               <a:rPr lang="en-US" smtClean="0"/>
-              <a:t>2/4/2020</a:t>
+              <a:t>1/20/2021</a:t>
             </a:fld>
             <a:endParaRPr lang="en-US"/>
           </a:p>
@@ -31171,13 +30935,6 @@
   <p:transition>
     <p:fade/>
   </p:transition>
-  <p:timing>
-    <p:tnLst>
-      <p:par>
-        <p:cTn id="1" dur="indefinite" restart="never" nodeType="tmRoot"/>
-      </p:par>
-    </p:tnLst>
-  </p:timing>
 </p:sldLayout>
 </file>
 
@@ -31249,7 +31006,7 @@
           <a:p>
             <a:fld id="{5958763E-B898-436D-883D-03711491D54A}" type="datetimeFigureOut">
               <a:rPr lang="en-US" smtClean="0"/>
-              <a:t>2/4/2020</a:t>
+              <a:t>1/20/2021</a:t>
             </a:fld>
             <a:endParaRPr lang="en-US"/>
           </a:p>
@@ -31322,13 +31079,6 @@
   <p:transition>
     <p:fade/>
   </p:transition>
-  <p:timing>
-    <p:tnLst>
-      <p:par>
-        <p:cTn id="1" dur="indefinite" restart="never" nodeType="tmRoot"/>
-      </p:par>
-    </p:tnLst>
-  </p:timing>
 </p:sldLayout>
 </file>
 
@@ -31457,7 +31207,7 @@
           <a:p>
             <a:fld id="{5958763E-B898-436D-883D-03711491D54A}" type="datetimeFigureOut">
               <a:rPr lang="en-US" smtClean="0"/>
-              <a:t>2/4/2020</a:t>
+              <a:t>1/20/2021</a:t>
             </a:fld>
             <a:endParaRPr lang="en-US"/>
           </a:p>
@@ -31580,13 +31330,6 @@
   <p:transition>
     <p:fade/>
   </p:transition>
-  <p:timing>
-    <p:tnLst>
-      <p:par>
-        <p:cTn id="1" dur="indefinite" restart="never" nodeType="tmRoot"/>
-      </p:par>
-    </p:tnLst>
-  </p:timing>
 </p:sldLayout>
 </file>
 
@@ -31799,7 +31542,7 @@
           <a:p>
             <a:fld id="{5958763E-B898-436D-883D-03711491D54A}" type="datetimeFigureOut">
               <a:rPr lang="en-US" smtClean="0"/>
-              <a:t>2/4/2020</a:t>
+              <a:t>1/20/2021</a:t>
             </a:fld>
             <a:endParaRPr lang="en-US"/>
           </a:p>
@@ -31872,13 +31615,6 @@
   <p:transition>
     <p:fade/>
   </p:transition>
-  <p:timing>
-    <p:tnLst>
-      <p:par>
-        <p:cTn id="1" dur="indefinite" restart="never" nodeType="tmRoot"/>
-      </p:par>
-    </p:tnLst>
-  </p:timing>
 </p:sldLayout>
 </file>
 
@@ -32036,7 +31772,7 @@
           <a:p>
             <a:fld id="{5958763E-B898-436D-883D-03711491D54A}" type="datetimeFigureOut">
               <a:rPr lang="en-US" smtClean="0"/>
-              <a:t>2/4/2020</a:t>
+              <a:t>1/20/2021</a:t>
             </a:fld>
             <a:endParaRPr lang="en-US"/>
           </a:p>
@@ -32109,13 +31845,6 @@
   <p:transition>
     <p:fade/>
   </p:transition>
-  <p:timing>
-    <p:tnLst>
-      <p:par>
-        <p:cTn id="1" dur="indefinite" restart="never" nodeType="tmRoot"/>
-      </p:par>
-    </p:tnLst>
-  </p:timing>
 </p:sldLayout>
 </file>
 
@@ -32287,7 +32016,7 @@
           <a:p>
             <a:fld id="{5958763E-B898-436D-883D-03711491D54A}" type="datetimeFigureOut">
               <a:rPr lang="en-US" smtClean="0"/>
-              <a:t>2/4/2020</a:t>
+              <a:t>1/20/2021</a:t>
             </a:fld>
             <a:endParaRPr lang="en-US"/>
           </a:p>
@@ -32433,13 +32162,6 @@
   <p:transition>
     <p:fade/>
   </p:transition>
-  <p:timing>
-    <p:tnLst>
-      <p:par>
-        <p:cTn id="1" dur="indefinite" restart="never" nodeType="tmRoot"/>
-      </p:par>
-    </p:tnLst>
-  </p:timing>
   <p:txStyles>
     <p:titleStyle>
       <a:lvl1pPr algn="l" defTabSz="914400" rtl="0" eaLnBrk="1" latinLnBrk="0" hangingPunct="1">
@@ -32744,7 +32466,7 @@
       </a:lvl9pPr>
     </p:otherStyle>
   </p:txStyles>
-  <p:extLst mod="1">
+  <p:extLst>
     <p:ext uri="{27BBF7A9-308A-43DC-89C8-2F10F3537804}">
       <p15:sldGuideLst xmlns:p15="http://schemas.microsoft.com/office/powerpoint/2012/main">
         <p15:guide id="1" orient="horz" pos="2160" userDrawn="1">
@@ -32823,10 +32545,9 @@
           <a:lstStyle/>
           <a:p>
             <a:r>
-              <a:rPr lang="en-US" sz="6600" dirty="0" smtClean="0"/>
+              <a:rPr lang="en-US" sz="6600" dirty="0"/>
               <a:t>Express Projects</a:t>
             </a:r>
-            <a:endParaRPr lang="en-US" sz="6600" dirty="0"/>
           </a:p>
         </p:txBody>
       </p:sp>
@@ -32851,10 +32572,9 @@
           <a:lstStyle/>
           <a:p>
             <a:r>
-              <a:rPr lang="en-US" dirty="0" smtClean="0"/>
+              <a:rPr lang="en-US" dirty="0"/>
               <a:t>Hy-Tech Club: Web 201</a:t>
             </a:r>
-            <a:endParaRPr lang="en-US" dirty="0"/>
           </a:p>
         </p:txBody>
       </p:sp>
@@ -35839,13 +35559,6 @@
   <p:transition>
     <p:fade/>
   </p:transition>
-  <p:timing>
-    <p:tnLst>
-      <p:par>
-        <p:cTn id="1" dur="indefinite" restart="never" nodeType="tmRoot"/>
-      </p:par>
-    </p:tnLst>
-  </p:timing>
 </p:sld>
 </file>
 
@@ -35882,10 +35595,9 @@
           <a:lstStyle/>
           <a:p>
             <a:r>
-              <a:rPr lang="en-US" dirty="0" smtClean="0"/>
+              <a:rPr lang="en-US" dirty="0"/>
               <a:t>Agenda</a:t>
             </a:r>
-            <a:endParaRPr lang="en-US" dirty="0"/>
           </a:p>
         </p:txBody>
       </p:sp>
@@ -35905,14 +35617,14 @@
           <a:lstStyle/>
           <a:p>
             <a:r>
-              <a:rPr lang="en-US" dirty="0" err="1" smtClean="0"/>
+              <a:rPr lang="en-US" dirty="0" err="1"/>
               <a:t>npm</a:t>
             </a:r>
-            <a:endParaRPr lang="en-US" dirty="0" smtClean="0"/>
+            <a:endParaRPr lang="en-US" dirty="0"/>
           </a:p>
           <a:p>
             <a:r>
-              <a:rPr lang="en-US" dirty="0" smtClean="0"/>
+              <a:rPr lang="en-US" dirty="0"/>
               <a:t>Express</a:t>
             </a:r>
           </a:p>
@@ -35931,13 +35643,6 @@
   <p:transition>
     <p:fade/>
   </p:transition>
-  <p:timing>
-    <p:tnLst>
-      <p:par>
-        <p:cTn id="1" dur="indefinite" restart="never" nodeType="tmRoot"/>
-      </p:par>
-    </p:tnLst>
-  </p:timing>
 </p:sld>
 </file>
 
@@ -35974,14 +35679,13 @@
           <a:lstStyle/>
           <a:p>
             <a:r>
-              <a:rPr lang="en-US" dirty="0" err="1" smtClean="0"/>
+              <a:rPr lang="en-US" dirty="0" err="1"/>
               <a:t>Npm</a:t>
             </a:r>
             <a:r>
-              <a:rPr lang="en-US" dirty="0" smtClean="0"/>
+              <a:rPr lang="en-US" dirty="0"/>
               <a:t> overview</a:t>
             </a:r>
-            <a:endParaRPr lang="en-US" dirty="0"/>
           </a:p>
         </p:txBody>
       </p:sp>
@@ -36024,13 +35728,6 @@
   <p:transition>
     <p:fade/>
   </p:transition>
-  <p:timing>
-    <p:tnLst>
-      <p:par>
-        <p:cTn id="1" dur="indefinite" restart="never" nodeType="tmRoot"/>
-      </p:par>
-    </p:tnLst>
-  </p:timing>
 </p:sld>
 </file>
 
@@ -36067,10 +35764,9 @@
           <a:lstStyle/>
           <a:p>
             <a:r>
-              <a:rPr lang="en-US" dirty="0" smtClean="0"/>
+              <a:rPr lang="en-US" dirty="0"/>
               <a:t>NPM Projects</a:t>
             </a:r>
-            <a:endParaRPr lang="en-US" dirty="0"/>
           </a:p>
         </p:txBody>
       </p:sp>
@@ -36090,61 +35786,61 @@
           <a:lstStyle/>
           <a:p>
             <a:r>
-              <a:rPr lang="en-US" sz="3600" dirty="0" smtClean="0"/>
+              <a:rPr lang="en-US" sz="3600" dirty="0"/>
               <a:t>An </a:t>
             </a:r>
             <a:r>
-              <a:rPr lang="en-US" sz="3600" b="1" dirty="0" err="1" smtClean="0"/>
+              <a:rPr lang="en-US" sz="3600" b="1" dirty="0" err="1"/>
               <a:t>npm</a:t>
             </a:r>
             <a:r>
-              <a:rPr lang="en-US" sz="3600" b="1" dirty="0" smtClean="0"/>
+              <a:rPr lang="en-US" sz="3600" b="1" dirty="0"/>
               <a:t> project</a:t>
             </a:r>
             <a:r>
-              <a:rPr lang="en-US" sz="3600" dirty="0" smtClean="0"/>
+              <a:rPr lang="en-US" sz="3600" dirty="0"/>
               <a:t> is simply a folder that contains a </a:t>
             </a:r>
             <a:r>
-              <a:rPr lang="en-US" sz="3600" b="1" dirty="0" err="1" smtClean="0"/>
+              <a:rPr lang="en-US" sz="3600" b="1" dirty="0" err="1"/>
               <a:t>package.json</a:t>
             </a:r>
             <a:r>
-              <a:rPr lang="en-US" sz="3600" dirty="0" smtClean="0"/>
+              <a:rPr lang="en-US" sz="3600" dirty="0"/>
               <a:t> file</a:t>
             </a:r>
           </a:p>
           <a:p>
-            <a:endParaRPr lang="en-US" sz="3600" dirty="0" smtClean="0"/>
+            <a:endParaRPr lang="en-US" sz="3600" dirty="0"/>
           </a:p>
           <a:p>
             <a:r>
-              <a:rPr lang="en-US" sz="3600" dirty="0" smtClean="0"/>
+              <a:rPr lang="en-US" sz="3600" dirty="0"/>
               <a:t>The </a:t>
             </a:r>
             <a:r>
-              <a:rPr lang="en-US" sz="3600" b="1" dirty="0" err="1" smtClean="0"/>
+              <a:rPr lang="en-US" sz="3600" b="1" dirty="0" err="1"/>
               <a:t>package.json</a:t>
             </a:r>
             <a:r>
-              <a:rPr lang="en-US" sz="3600" dirty="0" smtClean="0"/>
+              <a:rPr lang="en-US" sz="3600" dirty="0"/>
               <a:t> file contains all the configuration information and dependencies for the project</a:t>
             </a:r>
           </a:p>
           <a:p>
-            <a:endParaRPr lang="en-US" dirty="0" smtClean="0"/>
+            <a:endParaRPr lang="en-US" dirty="0"/>
           </a:p>
           <a:p>
             <a:r>
-              <a:rPr lang="en-US" sz="3600" dirty="0" smtClean="0"/>
+              <a:rPr lang="en-US" sz="3600" dirty="0"/>
               <a:t>To initialize an </a:t>
             </a:r>
             <a:r>
-              <a:rPr lang="en-US" sz="3600" dirty="0" err="1" smtClean="0"/>
+              <a:rPr lang="en-US" sz="3600" dirty="0" err="1"/>
               <a:t>npm</a:t>
             </a:r>
             <a:r>
-              <a:rPr lang="en-US" sz="3600" dirty="0" smtClean="0"/>
+              <a:rPr lang="en-US" sz="3600" dirty="0"/>
               <a:t> project: </a:t>
             </a:r>
             <a:r>
@@ -36171,7 +35867,7 @@
               <a:t> </a:t>
             </a:r>
             <a:r>
-              <a:rPr lang="en-US" sz="3600" b="1" dirty="0" err="1" smtClean="0">
+              <a:rPr lang="en-US" sz="3600" b="1" dirty="0" err="1">
                 <a:solidFill>
                   <a:schemeClr val="accent1">
                     <a:lumMod val="50000"/>
@@ -36182,7 +35878,7 @@
               <a:t>npm</a:t>
             </a:r>
             <a:r>
-              <a:rPr lang="en-US" sz="3600" b="1" dirty="0" smtClean="0">
+              <a:rPr lang="en-US" sz="3600" b="1" dirty="0">
                 <a:solidFill>
                   <a:schemeClr val="accent1">
                     <a:lumMod val="50000"/>
@@ -36193,7 +35889,7 @@
               <a:t> </a:t>
             </a:r>
             <a:r>
-              <a:rPr lang="en-US" sz="3600" b="1" dirty="0" err="1" smtClean="0">
+              <a:rPr lang="en-US" sz="3600" b="1" dirty="0" err="1">
                 <a:solidFill>
                   <a:schemeClr val="accent1">
                     <a:lumMod val="50000"/>
@@ -36656,18 +36352,13 @@
           <a:lstStyle/>
           <a:p>
             <a:r>
-              <a:rPr lang="en-US" dirty="0" smtClean="0">
+              <a:rPr lang="en-US" dirty="0">
                 <a:solidFill>
                   <a:schemeClr val="bg1"/>
                 </a:solidFill>
               </a:rPr>
               <a:t>Express Overview</a:t>
             </a:r>
-            <a:endParaRPr lang="en-US" dirty="0">
-              <a:solidFill>
-                <a:schemeClr val="bg1"/>
-              </a:solidFill>
-            </a:endParaRPr>
           </a:p>
         </p:txBody>
       </p:sp>
@@ -36697,32 +36388,16 @@
               <a:t>Express is a </a:t>
             </a:r>
             <a:r>
-              <a:rPr lang="en-US" sz="3600" b="1" dirty="0" smtClean="0">
-                <a:solidFill>
-                  <a:schemeClr val="bg1"/>
-                </a:solidFill>
-              </a:rPr>
-              <a:t>Node.js </a:t>
-            </a:r>
-            <a:r>
               <a:rPr lang="en-US" sz="3600" b="1" dirty="0">
                 <a:solidFill>
                   <a:schemeClr val="bg1"/>
                 </a:solidFill>
               </a:rPr>
-              <a:t>web application </a:t>
-            </a:r>
-            <a:r>
-              <a:rPr lang="en-US" sz="3600" b="1" dirty="0" smtClean="0">
-                <a:solidFill>
-                  <a:schemeClr val="bg1"/>
-                </a:solidFill>
-              </a:rPr>
-              <a:t>framework</a:t>
+              <a:t>Node.js web application framework</a:t>
             </a:r>
           </a:p>
           <a:p>
-            <a:endParaRPr lang="en-US" sz="3600" b="1" dirty="0" smtClean="0">
+            <a:endParaRPr lang="en-US" sz="3600" b="1" dirty="0">
               <a:solidFill>
                 <a:schemeClr val="bg1"/>
               </a:solidFill>
@@ -36730,7 +36405,7 @@
           </a:p>
           <a:p>
             <a:r>
-              <a:rPr lang="en-US" sz="3600" dirty="0" smtClean="0">
+              <a:rPr lang="en-US" sz="3600" dirty="0">
                 <a:solidFill>
                   <a:schemeClr val="bg1"/>
                 </a:solidFill>
@@ -36741,7 +36416,7 @@
           <a:p>
             <a:pPr lvl="1"/>
             <a:r>
-              <a:rPr lang="en-US" sz="3200" dirty="0" smtClean="0">
+              <a:rPr lang="en-US" sz="3200" dirty="0">
                 <a:solidFill>
                   <a:schemeClr val="bg1"/>
                 </a:solidFill>
@@ -36757,15 +36432,7 @@
                   <a:schemeClr val="bg1"/>
                 </a:solidFill>
               </a:rPr>
-              <a:t>S</a:t>
-            </a:r>
-            <a:r>
-              <a:rPr lang="en-US" sz="3200" dirty="0" smtClean="0">
-                <a:solidFill>
-                  <a:schemeClr val="bg1"/>
-                </a:solidFill>
-              </a:rPr>
-              <a:t>erve up HTML statically or dynamically</a:t>
+              <a:t>Serve up HTML statically or dynamically</a:t>
             </a:r>
           </a:p>
           <a:p>
@@ -36778,7 +36445,7 @@
           </a:p>
           <a:p>
             <a:r>
-              <a:rPr lang="en-US" sz="3600" dirty="0" smtClean="0">
+              <a:rPr lang="en-US" sz="3600" dirty="0">
                 <a:solidFill>
                   <a:schemeClr val="bg1"/>
                 </a:solidFill>
@@ -36786,7 +36453,7 @@
               <a:t>To Install Express: </a:t>
             </a:r>
             <a:r>
-              <a:rPr lang="en-US" sz="3600" b="1" dirty="0" smtClean="0">
+              <a:rPr lang="en-US" sz="3600" b="1" dirty="0">
                 <a:solidFill>
                   <a:schemeClr val="accent1">
                     <a:lumMod val="75000"/>
@@ -36797,7 +36464,7 @@
               <a:t>$</a:t>
             </a:r>
             <a:r>
-              <a:rPr lang="en-US" sz="3600" b="1" dirty="0" smtClean="0">
+              <a:rPr lang="en-US" sz="3600" b="1" dirty="0">
                 <a:solidFill>
                   <a:schemeClr val="accent1">
                     <a:lumMod val="40000"/>
@@ -36809,7 +36476,7 @@
               <a:t> </a:t>
             </a:r>
             <a:r>
-              <a:rPr lang="en-US" sz="3600" b="1" dirty="0" err="1" smtClean="0">
+              <a:rPr lang="en-US" sz="3600" b="1" dirty="0" err="1">
                 <a:solidFill>
                   <a:schemeClr val="accent1">
                     <a:lumMod val="40000"/>
@@ -36821,7 +36488,7 @@
               <a:t>npm</a:t>
             </a:r>
             <a:r>
-              <a:rPr lang="en-US" sz="3600" b="1" dirty="0" smtClean="0">
+              <a:rPr lang="en-US" sz="3600" b="1" dirty="0">
                 <a:solidFill>
                   <a:schemeClr val="accent1">
                     <a:lumMod val="40000"/>
@@ -36830,34 +36497,13 @@
                 </a:solidFill>
                 <a:latin typeface="Consolas" panose="020B0609020204030204" pitchFamily="49" charset="0"/>
               </a:rPr>
-              <a:t> install express </a:t>
+              <a:t> install express –-save</a:t>
             </a:r>
-            <a:r>
-              <a:rPr lang="en-US" sz="3600" b="1" dirty="0" smtClean="0">
-                <a:solidFill>
-                  <a:schemeClr val="accent1">
-                    <a:lumMod val="40000"/>
-                    <a:lumOff val="60000"/>
-                  </a:schemeClr>
-                </a:solidFill>
-                <a:latin typeface="Consolas" panose="020B0609020204030204" pitchFamily="49" charset="0"/>
-              </a:rPr>
-              <a:t>–-save</a:t>
-            </a:r>
-            <a:endParaRPr lang="en-US" sz="3600" b="1" dirty="0" smtClean="0">
-              <a:solidFill>
-                <a:schemeClr val="accent1">
-                  <a:lumMod val="40000"/>
-                  <a:lumOff val="60000"/>
-                </a:schemeClr>
-              </a:solidFill>
-              <a:latin typeface="Consolas" panose="020B0609020204030204" pitchFamily="49" charset="0"/>
-            </a:endParaRPr>
           </a:p>
           <a:p>
             <a:pPr lvl="1"/>
             <a:r>
-              <a:rPr lang="en-US" sz="3200" dirty="0" smtClean="0">
+              <a:rPr lang="en-US" sz="3200" dirty="0">
                 <a:solidFill>
                   <a:schemeClr val="bg1"/>
                 </a:solidFill>
@@ -36865,7 +36511,7 @@
               <a:t>Express is an </a:t>
             </a:r>
             <a:r>
-              <a:rPr lang="en-US" sz="3200" b="1" dirty="0" err="1" smtClean="0">
+              <a:rPr lang="en-US" sz="3200" b="1" dirty="0" err="1">
                 <a:solidFill>
                   <a:schemeClr val="bg1"/>
                 </a:solidFill>
@@ -36873,18 +36519,13 @@
               <a:t>npm</a:t>
             </a:r>
             <a:r>
-              <a:rPr lang="en-US" sz="3200" b="1" dirty="0" smtClean="0">
+              <a:rPr lang="en-US" sz="3200" b="1" dirty="0">
                 <a:solidFill>
                   <a:schemeClr val="bg1"/>
                 </a:solidFill>
               </a:rPr>
               <a:t> package</a:t>
             </a:r>
-            <a:endParaRPr lang="en-US" sz="3200" b="1" dirty="0">
-              <a:solidFill>
-                <a:schemeClr val="bg1"/>
-              </a:solidFill>
-            </a:endParaRPr>
           </a:p>
         </p:txBody>
       </p:sp>
@@ -37627,6 +37268,67 @@
 </p:sld>
 </file>
 
+<file path=ppt/slides/slide6.xml><?xml version="1.0" encoding="utf-8"?>
+<p:sld xmlns:a="http://schemas.openxmlformats.org/drawingml/2006/main" xmlns:r="http://schemas.openxmlformats.org/officeDocument/2006/relationships" xmlns:p="http://schemas.openxmlformats.org/presentationml/2006/main">
+  <p:cSld>
+    <p:spTree>
+      <p:nvGrpSpPr>
+        <p:cNvPr id="1" name=""/>
+        <p:cNvGrpSpPr/>
+        <p:nvPr/>
+      </p:nvGrpSpPr>
+      <p:grpSpPr>
+        <a:xfrm>
+          <a:off x="0" y="0"/>
+          <a:ext cx="0" cy="0"/>
+          <a:chOff x="0" y="0"/>
+          <a:chExt cx="0" cy="0"/>
+        </a:xfrm>
+      </p:grpSpPr>
+      <p:sp>
+        <p:nvSpPr>
+          <p:cNvPr id="2" name="Text Placeholder 1">
+            <a:extLst>
+              <a:ext uri="{FF2B5EF4-FFF2-40B4-BE49-F238E27FC236}">
+                <a16:creationId xmlns:a16="http://schemas.microsoft.com/office/drawing/2014/main" id="{9FA733B7-093C-4763-A74B-273B2ECD5381}"/>
+              </a:ext>
+            </a:extLst>
+          </p:cNvPr>
+          <p:cNvSpPr>
+            <a:spLocks noGrp="1"/>
+          </p:cNvSpPr>
+          <p:nvPr>
+            <p:ph type="body" sz="quarter" idx="10"/>
+          </p:nvPr>
+        </p:nvSpPr>
+        <p:spPr/>
+        <p:txBody>
+          <a:bodyPr/>
+          <a:lstStyle/>
+          <a:p>
+            <a:r>
+              <a:rPr lang="en-US"/>
+              <a:t>Questions?</a:t>
+            </a:r>
+          </a:p>
+        </p:txBody>
+      </p:sp>
+    </p:spTree>
+    <p:extLst>
+      <p:ext uri="{BB962C8B-B14F-4D97-AF65-F5344CB8AC3E}">
+        <p14:creationId xmlns:p14="http://schemas.microsoft.com/office/powerpoint/2010/main" val="524294623"/>
+      </p:ext>
+    </p:extLst>
+  </p:cSld>
+  <p:clrMapOvr>
+    <a:masterClrMapping/>
+  </p:clrMapOvr>
+  <p:transition>
+    <p:fade/>
+  </p:transition>
+</p:sld>
+</file>
+
 <file path=ppt/theme/theme1.xml><?xml version="1.0" encoding="utf-8"?>
 <a:theme xmlns:a="http://schemas.openxmlformats.org/drawingml/2006/main" name="Hyland 2019">
   <a:themeElements>

--- a/ExpressProjects/ExpressProjects.pptx
+++ b/ExpressProjects/ExpressProjects.pptx
@@ -5,7 +5,7 @@
     <p:sldMasterId id="2147483648" r:id="rId1"/>
   </p:sldMasterIdLst>
   <p:notesMasterIdLst>
-    <p:notesMasterId r:id="rId8"/>
+    <p:notesMasterId r:id="rId9"/>
   </p:notesMasterIdLst>
   <p:sldIdLst>
     <p:sldId id="258" r:id="rId2"/>
@@ -13,7 +13,8 @@
     <p:sldId id="299" r:id="rId4"/>
     <p:sldId id="301" r:id="rId5"/>
     <p:sldId id="300" r:id="rId6"/>
-    <p:sldId id="302" r:id="rId7"/>
+    <p:sldId id="303" r:id="rId7"/>
+    <p:sldId id="302" r:id="rId8"/>
   </p:sldIdLst>
   <p:sldSz cx="12192000" cy="6858000"/>
   <p:notesSz cx="6858000" cy="9144000"/>
@@ -759,6 +760,101 @@
     <p:extLst>
       <p:ext uri="{BB962C8B-B14F-4D97-AF65-F5344CB8AC3E}">
         <p14:creationId xmlns:p14="http://schemas.microsoft.com/office/powerpoint/2010/main" val="3106846203"/>
+      </p:ext>
+    </p:extLst>
+  </p:cSld>
+  <p:clrMapOvr>
+    <a:masterClrMapping/>
+  </p:clrMapOvr>
+</p:notes>
+</file>
+
+<file path=ppt/notesSlides/notesSlide4.xml><?xml version="1.0" encoding="utf-8"?>
+<p:notes xmlns:a="http://schemas.openxmlformats.org/drawingml/2006/main" xmlns:r="http://schemas.openxmlformats.org/officeDocument/2006/relationships" xmlns:p="http://schemas.openxmlformats.org/presentationml/2006/main">
+  <p:cSld>
+    <p:spTree>
+      <p:nvGrpSpPr>
+        <p:cNvPr id="1" name=""/>
+        <p:cNvGrpSpPr/>
+        <p:nvPr/>
+      </p:nvGrpSpPr>
+      <p:grpSpPr>
+        <a:xfrm>
+          <a:off x="0" y="0"/>
+          <a:ext cx="0" cy="0"/>
+          <a:chOff x="0" y="0"/>
+          <a:chExt cx="0" cy="0"/>
+        </a:xfrm>
+      </p:grpSpPr>
+      <p:sp>
+        <p:nvSpPr>
+          <p:cNvPr id="2" name="Slide Image Placeholder 1"/>
+          <p:cNvSpPr>
+            <a:spLocks noGrp="1" noRot="1" noChangeAspect="1"/>
+          </p:cNvSpPr>
+          <p:nvPr>
+            <p:ph type="sldImg"/>
+          </p:nvPr>
+        </p:nvSpPr>
+        <p:spPr/>
+      </p:sp>
+      <p:sp>
+        <p:nvSpPr>
+          <p:cNvPr id="3" name="Notes Placeholder 2"/>
+          <p:cNvSpPr>
+            <a:spLocks noGrp="1"/>
+          </p:cNvSpPr>
+          <p:nvPr>
+            <p:ph type="body" idx="1"/>
+          </p:nvPr>
+        </p:nvSpPr>
+        <p:spPr/>
+        <p:txBody>
+          <a:bodyPr/>
+          <a:lstStyle/>
+          <a:p>
+            <a:r>
+              <a:rPr lang="en-US" dirty="0"/>
+              <a:t>Explain that none of this really matters too much when using Repl.it. It handles basically all the package management, so there’s no need to even know what </a:t>
+            </a:r>
+            <a:r>
+              <a:rPr lang="en-US" dirty="0" err="1"/>
+              <a:t>npm</a:t>
+            </a:r>
+            <a:r>
+              <a:rPr lang="en-US"/>
+              <a:t> is.</a:t>
+            </a:r>
+          </a:p>
+        </p:txBody>
+      </p:sp>
+      <p:sp>
+        <p:nvSpPr>
+          <p:cNvPr id="4" name="Slide Number Placeholder 3"/>
+          <p:cNvSpPr>
+            <a:spLocks noGrp="1"/>
+          </p:cNvSpPr>
+          <p:nvPr>
+            <p:ph type="sldNum" sz="quarter" idx="5"/>
+          </p:nvPr>
+        </p:nvSpPr>
+        <p:spPr/>
+        <p:txBody>
+          <a:bodyPr/>
+          <a:lstStyle/>
+          <a:p>
+            <a:fld id="{DEC8F7F9-57EC-49CF-9FCD-2B781E4B449F}" type="slidenum">
+              <a:rPr lang="en-US" smtClean="0"/>
+              <a:t>6</a:t>
+            </a:fld>
+            <a:endParaRPr lang="en-US"/>
+          </a:p>
+        </p:txBody>
+      </p:sp>
+    </p:spTree>
+    <p:extLst>
+      <p:ext uri="{BB962C8B-B14F-4D97-AF65-F5344CB8AC3E}">
+        <p14:creationId xmlns:p14="http://schemas.microsoft.com/office/powerpoint/2010/main" val="3401706081"/>
       </p:ext>
     </p:extLst>
   </p:cSld>
@@ -37287,6 +37383,731 @@
       </p:grpSpPr>
       <p:sp>
         <p:nvSpPr>
+          <p:cNvPr id="2" name="Title 1">
+            <a:extLst>
+              <a:ext uri="{FF2B5EF4-FFF2-40B4-BE49-F238E27FC236}">
+                <a16:creationId xmlns:a16="http://schemas.microsoft.com/office/drawing/2014/main" id="{C2691476-F1DE-4B5B-84EF-EBC7698D8366}"/>
+              </a:ext>
+            </a:extLst>
+          </p:cNvPr>
+          <p:cNvSpPr>
+            <a:spLocks noGrp="1"/>
+          </p:cNvSpPr>
+          <p:nvPr>
+            <p:ph type="title"/>
+          </p:nvPr>
+        </p:nvSpPr>
+        <p:spPr/>
+        <p:txBody>
+          <a:bodyPr/>
+          <a:lstStyle/>
+          <a:p>
+            <a:r>
+              <a:rPr lang="en-US" dirty="0"/>
+              <a:t>Repl.it and NPM</a:t>
+            </a:r>
+          </a:p>
+        </p:txBody>
+      </p:sp>
+      <p:sp>
+        <p:nvSpPr>
+          <p:cNvPr id="3" name="Content Placeholder 2">
+            <a:extLst>
+              <a:ext uri="{FF2B5EF4-FFF2-40B4-BE49-F238E27FC236}">
+                <a16:creationId xmlns:a16="http://schemas.microsoft.com/office/drawing/2014/main" id="{EB2661CF-1DE7-4E6F-AC89-DCA0BBF6BA38}"/>
+              </a:ext>
+            </a:extLst>
+          </p:cNvPr>
+          <p:cNvSpPr>
+            <a:spLocks noGrp="1"/>
+          </p:cNvSpPr>
+          <p:nvPr>
+            <p:ph idx="1"/>
+          </p:nvPr>
+        </p:nvSpPr>
+        <p:spPr>
+          <a:xfrm>
+            <a:off x="381000" y="1143000"/>
+            <a:ext cx="7086600" cy="5257800"/>
+          </a:xfrm>
+        </p:spPr>
+        <p:txBody>
+          <a:bodyPr>
+            <a:normAutofit fontScale="85000" lnSpcReduction="10000"/>
+          </a:bodyPr>
+          <a:lstStyle/>
+          <a:p>
+            <a:r>
+              <a:rPr lang="en-US" sz="4000" dirty="0"/>
+              <a:t>Repl.it handles all of the package management for a Node.js app</a:t>
+            </a:r>
+          </a:p>
+          <a:p>
+            <a:endParaRPr lang="en-US" sz="4000" dirty="0"/>
+          </a:p>
+          <a:p>
+            <a:r>
+              <a:rPr lang="en-US" sz="4000" dirty="0"/>
+              <a:t>Adding </a:t>
+            </a:r>
+            <a:r>
+              <a:rPr lang="en-US" sz="4800" b="1" dirty="0">
+                <a:solidFill>
+                  <a:srgbClr val="795E26"/>
+                </a:solidFill>
+                <a:effectLst/>
+                <a:latin typeface="Consolas" panose="020B0609020204030204" pitchFamily="49" charset="0"/>
+              </a:rPr>
+              <a:t>require</a:t>
+            </a:r>
+            <a:r>
+              <a:rPr lang="en-US" sz="4800" b="1" dirty="0">
+                <a:solidFill>
+                  <a:srgbClr val="000000"/>
+                </a:solidFill>
+                <a:effectLst/>
+                <a:latin typeface="Consolas" panose="020B0609020204030204" pitchFamily="49" charset="0"/>
+              </a:rPr>
+              <a:t>(</a:t>
+            </a:r>
+            <a:r>
+              <a:rPr lang="en-US" sz="4800" b="1" dirty="0">
+                <a:solidFill>
+                  <a:srgbClr val="A31515"/>
+                </a:solidFill>
+                <a:effectLst/>
+                <a:latin typeface="Consolas" panose="020B0609020204030204" pitchFamily="49" charset="0"/>
+              </a:rPr>
+              <a:t>'express'</a:t>
+            </a:r>
+            <a:r>
+              <a:rPr lang="en-US" sz="4800" b="1" dirty="0">
+                <a:solidFill>
+                  <a:srgbClr val="000000"/>
+                </a:solidFill>
+                <a:effectLst/>
+                <a:latin typeface="Consolas" panose="020B0609020204030204" pitchFamily="49" charset="0"/>
+              </a:rPr>
+              <a:t>)</a:t>
+            </a:r>
+            <a:r>
+              <a:rPr lang="en-US" sz="4000" dirty="0"/>
+              <a:t> will automatically install Express</a:t>
+            </a:r>
+          </a:p>
+          <a:p>
+            <a:endParaRPr lang="en-US" sz="4000" dirty="0"/>
+          </a:p>
+          <a:p>
+            <a:r>
+              <a:rPr lang="en-US" sz="4000" dirty="0"/>
+              <a:t>The </a:t>
+            </a:r>
+            <a:r>
+              <a:rPr lang="en-US" sz="4000" b="1" dirty="0" err="1"/>
+              <a:t>package.json</a:t>
+            </a:r>
+            <a:r>
+              <a:rPr lang="en-US" sz="4000" dirty="0"/>
+              <a:t> file still exists, but it is updated automatically</a:t>
+            </a:r>
+          </a:p>
+        </p:txBody>
+      </p:sp>
+      <p:pic>
+        <p:nvPicPr>
+          <p:cNvPr id="1026" name="Picture 2" descr="Repl.it - The collaborative browser based IDE">
+            <a:extLst>
+              <a:ext uri="{FF2B5EF4-FFF2-40B4-BE49-F238E27FC236}">
+                <a16:creationId xmlns:a16="http://schemas.microsoft.com/office/drawing/2014/main" id="{871A1053-B8F5-42D1-9B3C-BF18F34C783C}"/>
+              </a:ext>
+            </a:extLst>
+          </p:cNvPr>
+          <p:cNvPicPr>
+            <a:picLocks noChangeAspect="1" noChangeArrowheads="1"/>
+          </p:cNvPicPr>
+          <p:nvPr/>
+        </p:nvPicPr>
+        <p:blipFill>
+          <a:blip r:embed="rId3">
+            <a:extLst>
+              <a:ext uri="{28A0092B-C50C-407E-A947-70E740481C1C}">
+                <a14:useLocalDpi xmlns:a14="http://schemas.microsoft.com/office/drawing/2010/main" val="0"/>
+              </a:ext>
+            </a:extLst>
+          </a:blip>
+          <a:srcRect/>
+          <a:stretch>
+            <a:fillRect/>
+          </a:stretch>
+        </p:blipFill>
+        <p:spPr bwMode="auto">
+          <a:xfrm>
+            <a:off x="7924800" y="1628611"/>
+            <a:ext cx="3543300" cy="1285875"/>
+          </a:xfrm>
+          <a:prstGeom prst="rect">
+            <a:avLst/>
+          </a:prstGeom>
+          <a:noFill/>
+          <a:extLst>
+            <a:ext uri="{909E8E84-426E-40DD-AFC4-6F175D3DCCD1}">
+              <a14:hiddenFill xmlns:a14="http://schemas.microsoft.com/office/drawing/2010/main">
+                <a:solidFill>
+                  <a:srgbClr val="FFFFFF"/>
+                </a:solidFill>
+              </a14:hiddenFill>
+            </a:ext>
+          </a:extLst>
+        </p:spPr>
+      </p:pic>
+      <p:pic>
+        <p:nvPicPr>
+          <p:cNvPr id="1028" name="Picture 4" descr="npm (software) - Wikipedia">
+            <a:extLst>
+              <a:ext uri="{FF2B5EF4-FFF2-40B4-BE49-F238E27FC236}">
+                <a16:creationId xmlns:a16="http://schemas.microsoft.com/office/drawing/2014/main" id="{F3234A48-CF49-4925-8960-614F8C1EF776}"/>
+              </a:ext>
+            </a:extLst>
+          </p:cNvPr>
+          <p:cNvPicPr>
+            <a:picLocks noChangeAspect="1" noChangeArrowheads="1"/>
+          </p:cNvPicPr>
+          <p:nvPr/>
+        </p:nvPicPr>
+        <p:blipFill>
+          <a:blip r:embed="rId4">
+            <a:extLst>
+              <a:ext uri="{28A0092B-C50C-407E-A947-70E740481C1C}">
+                <a14:useLocalDpi xmlns:a14="http://schemas.microsoft.com/office/drawing/2010/main" val="0"/>
+              </a:ext>
+            </a:extLst>
+          </a:blip>
+          <a:srcRect/>
+          <a:stretch>
+            <a:fillRect/>
+          </a:stretch>
+        </p:blipFill>
+        <p:spPr bwMode="auto">
+          <a:xfrm>
+            <a:off x="7924800" y="4200361"/>
+            <a:ext cx="3886200" cy="1512380"/>
+          </a:xfrm>
+          <a:prstGeom prst="rect">
+            <a:avLst/>
+          </a:prstGeom>
+          <a:noFill/>
+          <a:extLst>
+            <a:ext uri="{909E8E84-426E-40DD-AFC4-6F175D3DCCD1}">
+              <a14:hiddenFill xmlns:a14="http://schemas.microsoft.com/office/drawing/2010/main">
+                <a:solidFill>
+                  <a:srgbClr val="FFFFFF"/>
+                </a:solidFill>
+              </a14:hiddenFill>
+            </a:ext>
+          </a:extLst>
+        </p:spPr>
+      </p:pic>
+      <p:sp>
+        <p:nvSpPr>
+          <p:cNvPr id="4" name="Plus Sign 3">
+            <a:extLst>
+              <a:ext uri="{FF2B5EF4-FFF2-40B4-BE49-F238E27FC236}">
+                <a16:creationId xmlns:a16="http://schemas.microsoft.com/office/drawing/2014/main" id="{02BE4AE0-8DCF-4E98-825E-308EC0476419}"/>
+              </a:ext>
+            </a:extLst>
+          </p:cNvPr>
+          <p:cNvSpPr/>
+          <p:nvPr/>
+        </p:nvSpPr>
+        <p:spPr bwMode="auto">
+          <a:xfrm>
+            <a:off x="9525000" y="2914486"/>
+            <a:ext cx="1028700" cy="1029028"/>
+          </a:xfrm>
+          <a:prstGeom prst="mathPlus">
+            <a:avLst>
+              <a:gd name="adj1" fmla="val 17723"/>
+            </a:avLst>
+          </a:prstGeom>
+          <a:solidFill>
+            <a:srgbClr val="CB3837"/>
+          </a:solidFill>
+          <a:ln w="69850">
+            <a:solidFill>
+              <a:srgbClr val="989BA1"/>
+            </a:solidFill>
+            <a:miter lim="800000"/>
+            <a:headEnd type="none" w="med" len="med"/>
+            <a:tailEnd type="none" w="med" len="med"/>
+          </a:ln>
+          <a:effectLst/>
+        </p:spPr>
+        <p:style>
+          <a:lnRef idx="1">
+            <a:schemeClr val="accent2"/>
+          </a:lnRef>
+          <a:fillRef idx="3">
+            <a:schemeClr val="accent2"/>
+          </a:fillRef>
+          <a:effectRef idx="2">
+            <a:schemeClr val="accent2"/>
+          </a:effectRef>
+          <a:fontRef idx="minor">
+            <a:schemeClr val="lt1"/>
+          </a:fontRef>
+        </p:style>
+        <p:txBody>
+          <a:bodyPr rot="0" spcFirstLastPara="0" vertOverflow="overflow" horzOverflow="overflow" vert="horz" wrap="square" lIns="182880" tIns="146304" rIns="182880" bIns="146304" numCol="1" spcCol="0" rtlCol="0" fromWordArt="0" anchor="t" anchorCtr="0" forceAA="0" compatLnSpc="1">
+            <a:prstTxWarp prst="textNoShape">
+              <a:avLst/>
+            </a:prstTxWarp>
+            <a:noAutofit/>
+          </a:bodyPr>
+          <a:lstStyle/>
+          <a:p>
+            <a:pPr algn="ctr" defTabSz="932472" fontAlgn="base">
+              <a:lnSpc>
+                <a:spcPct val="90000"/>
+              </a:lnSpc>
+              <a:spcBef>
+                <a:spcPct val="0"/>
+              </a:spcBef>
+              <a:spcAft>
+                <a:spcPct val="0"/>
+              </a:spcAft>
+            </a:pPr>
+            <a:endParaRPr lang="en-US" sz="2400" dirty="0" err="1">
+              <a:gradFill>
+                <a:gsLst>
+                  <a:gs pos="0">
+                    <a:srgbClr val="FFFFFF"/>
+                  </a:gs>
+                  <a:gs pos="100000">
+                    <a:srgbClr val="FFFFFF"/>
+                  </a:gs>
+                </a:gsLst>
+                <a:lin ang="5400000" scaled="0"/>
+              </a:gradFill>
+              <a:ea typeface="Segoe UI" pitchFamily="34" charset="0"/>
+              <a:cs typeface="Segoe UI" pitchFamily="34" charset="0"/>
+            </a:endParaRPr>
+          </a:p>
+        </p:txBody>
+      </p:sp>
+    </p:spTree>
+    <p:extLst>
+      <p:ext uri="{BB962C8B-B14F-4D97-AF65-F5344CB8AC3E}">
+        <p14:creationId xmlns:p14="http://schemas.microsoft.com/office/powerpoint/2010/main" val="2035084899"/>
+      </p:ext>
+    </p:extLst>
+  </p:cSld>
+  <p:clrMapOvr>
+    <a:masterClrMapping/>
+  </p:clrMapOvr>
+  <p:transition>
+    <p:fade/>
+  </p:transition>
+  <p:timing>
+    <p:tnLst>
+      <p:par>
+        <p:cTn id="1" dur="indefinite" restart="never" nodeType="tmRoot">
+          <p:childTnLst>
+            <p:seq concurrent="1" nextAc="seek">
+              <p:cTn id="2" dur="indefinite" nodeType="mainSeq">
+                <p:childTnLst>
+                  <p:par>
+                    <p:cTn id="3" fill="hold">
+                      <p:stCondLst>
+                        <p:cond delay="indefinite"/>
+                      </p:stCondLst>
+                      <p:childTnLst>
+                        <p:par>
+                          <p:cTn id="4" fill="hold">
+                            <p:stCondLst>
+                              <p:cond delay="0"/>
+                            </p:stCondLst>
+                            <p:childTnLst>
+                              <p:par>
+                                <p:cTn id="5" presetID="42" presetClass="entr" presetSubtype="0" fill="hold" grpId="0" nodeType="clickEffect">
+                                  <p:stCondLst>
+                                    <p:cond delay="0"/>
+                                  </p:stCondLst>
+                                  <p:childTnLst>
+                                    <p:set>
+                                      <p:cBhvr>
+                                        <p:cTn id="6" dur="1" fill="hold">
+                                          <p:stCondLst>
+                                            <p:cond delay="0"/>
+                                          </p:stCondLst>
+                                        </p:cTn>
+                                        <p:tgtEl>
+                                          <p:spTgt spid="3">
+                                            <p:txEl>
+                                              <p:pRg st="0" end="0"/>
+                                            </p:txEl>
+                                          </p:spTgt>
+                                        </p:tgtEl>
+                                        <p:attrNameLst>
+                                          <p:attrName>style.visibility</p:attrName>
+                                        </p:attrNameLst>
+                                      </p:cBhvr>
+                                      <p:to>
+                                        <p:strVal val="visible"/>
+                                      </p:to>
+                                    </p:set>
+                                    <p:animEffect transition="in" filter="fade">
+                                      <p:cBhvr>
+                                        <p:cTn id="7" dur="500"/>
+                                        <p:tgtEl>
+                                          <p:spTgt spid="3">
+                                            <p:txEl>
+                                              <p:pRg st="0" end="0"/>
+                                            </p:txEl>
+                                          </p:spTgt>
+                                        </p:tgtEl>
+                                      </p:cBhvr>
+                                    </p:animEffect>
+                                    <p:anim calcmode="lin" valueType="num">
+                                      <p:cBhvr>
+                                        <p:cTn id="8" dur="500" fill="hold"/>
+                                        <p:tgtEl>
+                                          <p:spTgt spid="3">
+                                            <p:txEl>
+                                              <p:pRg st="0" end="0"/>
+                                            </p:txEl>
+                                          </p:spTgt>
+                                        </p:tgtEl>
+                                        <p:attrNameLst>
+                                          <p:attrName>ppt_x</p:attrName>
+                                        </p:attrNameLst>
+                                      </p:cBhvr>
+                                      <p:tavLst>
+                                        <p:tav tm="0">
+                                          <p:val>
+                                            <p:strVal val="#ppt_x"/>
+                                          </p:val>
+                                        </p:tav>
+                                        <p:tav tm="100000">
+                                          <p:val>
+                                            <p:strVal val="#ppt_x"/>
+                                          </p:val>
+                                        </p:tav>
+                                      </p:tavLst>
+                                    </p:anim>
+                                    <p:anim calcmode="lin" valueType="num">
+                                      <p:cBhvr>
+                                        <p:cTn id="9" dur="500" fill="hold"/>
+                                        <p:tgtEl>
+                                          <p:spTgt spid="3">
+                                            <p:txEl>
+                                              <p:pRg st="0" end="0"/>
+                                            </p:txEl>
+                                          </p:spTgt>
+                                        </p:tgtEl>
+                                        <p:attrNameLst>
+                                          <p:attrName>ppt_y</p:attrName>
+                                        </p:attrNameLst>
+                                      </p:cBhvr>
+                                      <p:tavLst>
+                                        <p:tav tm="0">
+                                          <p:val>
+                                            <p:strVal val="#ppt_y+.1"/>
+                                          </p:val>
+                                        </p:tav>
+                                        <p:tav tm="100000">
+                                          <p:val>
+                                            <p:strVal val="#ppt_y"/>
+                                          </p:val>
+                                        </p:tav>
+                                      </p:tavLst>
+                                    </p:anim>
+                                  </p:childTnLst>
+                                </p:cTn>
+                              </p:par>
+                            </p:childTnLst>
+                          </p:cTn>
+                        </p:par>
+                      </p:childTnLst>
+                    </p:cTn>
+                  </p:par>
+                  <p:par>
+                    <p:cTn id="10" fill="hold">
+                      <p:stCondLst>
+                        <p:cond delay="indefinite"/>
+                      </p:stCondLst>
+                      <p:childTnLst>
+                        <p:par>
+                          <p:cTn id="11" fill="hold">
+                            <p:stCondLst>
+                              <p:cond delay="0"/>
+                            </p:stCondLst>
+                            <p:childTnLst>
+                              <p:par>
+                                <p:cTn id="12" presetID="42" presetClass="entr" presetSubtype="0" fill="hold" grpId="0" nodeType="clickEffect">
+                                  <p:stCondLst>
+                                    <p:cond delay="0"/>
+                                  </p:stCondLst>
+                                  <p:childTnLst>
+                                    <p:set>
+                                      <p:cBhvr>
+                                        <p:cTn id="13" dur="1" fill="hold">
+                                          <p:stCondLst>
+                                            <p:cond delay="0"/>
+                                          </p:stCondLst>
+                                        </p:cTn>
+                                        <p:tgtEl>
+                                          <p:spTgt spid="3">
+                                            <p:txEl>
+                                              <p:pRg st="2" end="2"/>
+                                            </p:txEl>
+                                          </p:spTgt>
+                                        </p:tgtEl>
+                                        <p:attrNameLst>
+                                          <p:attrName>style.visibility</p:attrName>
+                                        </p:attrNameLst>
+                                      </p:cBhvr>
+                                      <p:to>
+                                        <p:strVal val="visible"/>
+                                      </p:to>
+                                    </p:set>
+                                    <p:animEffect transition="in" filter="fade">
+                                      <p:cBhvr>
+                                        <p:cTn id="14" dur="500"/>
+                                        <p:tgtEl>
+                                          <p:spTgt spid="3">
+                                            <p:txEl>
+                                              <p:pRg st="2" end="2"/>
+                                            </p:txEl>
+                                          </p:spTgt>
+                                        </p:tgtEl>
+                                      </p:cBhvr>
+                                    </p:animEffect>
+                                    <p:anim calcmode="lin" valueType="num">
+                                      <p:cBhvr>
+                                        <p:cTn id="15" dur="500" fill="hold"/>
+                                        <p:tgtEl>
+                                          <p:spTgt spid="3">
+                                            <p:txEl>
+                                              <p:pRg st="2" end="2"/>
+                                            </p:txEl>
+                                          </p:spTgt>
+                                        </p:tgtEl>
+                                        <p:attrNameLst>
+                                          <p:attrName>ppt_x</p:attrName>
+                                        </p:attrNameLst>
+                                      </p:cBhvr>
+                                      <p:tavLst>
+                                        <p:tav tm="0">
+                                          <p:val>
+                                            <p:strVal val="#ppt_x"/>
+                                          </p:val>
+                                        </p:tav>
+                                        <p:tav tm="100000">
+                                          <p:val>
+                                            <p:strVal val="#ppt_x"/>
+                                          </p:val>
+                                        </p:tav>
+                                      </p:tavLst>
+                                    </p:anim>
+                                    <p:anim calcmode="lin" valueType="num">
+                                      <p:cBhvr>
+                                        <p:cTn id="16" dur="500" fill="hold"/>
+                                        <p:tgtEl>
+                                          <p:spTgt spid="3">
+                                            <p:txEl>
+                                              <p:pRg st="2" end="2"/>
+                                            </p:txEl>
+                                          </p:spTgt>
+                                        </p:tgtEl>
+                                        <p:attrNameLst>
+                                          <p:attrName>ppt_y</p:attrName>
+                                        </p:attrNameLst>
+                                      </p:cBhvr>
+                                      <p:tavLst>
+                                        <p:tav tm="0">
+                                          <p:val>
+                                            <p:strVal val="#ppt_y+.1"/>
+                                          </p:val>
+                                        </p:tav>
+                                        <p:tav tm="100000">
+                                          <p:val>
+                                            <p:strVal val="#ppt_y"/>
+                                          </p:val>
+                                        </p:tav>
+                                      </p:tavLst>
+                                    </p:anim>
+                                  </p:childTnLst>
+                                </p:cTn>
+                              </p:par>
+                            </p:childTnLst>
+                          </p:cTn>
+                        </p:par>
+                      </p:childTnLst>
+                    </p:cTn>
+                  </p:par>
+                  <p:par>
+                    <p:cTn id="17" fill="hold">
+                      <p:stCondLst>
+                        <p:cond delay="indefinite"/>
+                      </p:stCondLst>
+                      <p:childTnLst>
+                        <p:par>
+                          <p:cTn id="18" fill="hold">
+                            <p:stCondLst>
+                              <p:cond delay="0"/>
+                            </p:stCondLst>
+                            <p:childTnLst>
+                              <p:par>
+                                <p:cTn id="19" presetID="42" presetClass="entr" presetSubtype="0" fill="hold" grpId="0" nodeType="clickEffect">
+                                  <p:stCondLst>
+                                    <p:cond delay="0"/>
+                                  </p:stCondLst>
+                                  <p:childTnLst>
+                                    <p:set>
+                                      <p:cBhvr>
+                                        <p:cTn id="20" dur="1" fill="hold">
+                                          <p:stCondLst>
+                                            <p:cond delay="0"/>
+                                          </p:stCondLst>
+                                        </p:cTn>
+                                        <p:tgtEl>
+                                          <p:spTgt spid="3">
+                                            <p:txEl>
+                                              <p:pRg st="4" end="4"/>
+                                            </p:txEl>
+                                          </p:spTgt>
+                                        </p:tgtEl>
+                                        <p:attrNameLst>
+                                          <p:attrName>style.visibility</p:attrName>
+                                        </p:attrNameLst>
+                                      </p:cBhvr>
+                                      <p:to>
+                                        <p:strVal val="visible"/>
+                                      </p:to>
+                                    </p:set>
+                                    <p:animEffect transition="in" filter="fade">
+                                      <p:cBhvr>
+                                        <p:cTn id="21" dur="500"/>
+                                        <p:tgtEl>
+                                          <p:spTgt spid="3">
+                                            <p:txEl>
+                                              <p:pRg st="4" end="4"/>
+                                            </p:txEl>
+                                          </p:spTgt>
+                                        </p:tgtEl>
+                                      </p:cBhvr>
+                                    </p:animEffect>
+                                    <p:anim calcmode="lin" valueType="num">
+                                      <p:cBhvr>
+                                        <p:cTn id="22" dur="500" fill="hold"/>
+                                        <p:tgtEl>
+                                          <p:spTgt spid="3">
+                                            <p:txEl>
+                                              <p:pRg st="4" end="4"/>
+                                            </p:txEl>
+                                          </p:spTgt>
+                                        </p:tgtEl>
+                                        <p:attrNameLst>
+                                          <p:attrName>ppt_x</p:attrName>
+                                        </p:attrNameLst>
+                                      </p:cBhvr>
+                                      <p:tavLst>
+                                        <p:tav tm="0">
+                                          <p:val>
+                                            <p:strVal val="#ppt_x"/>
+                                          </p:val>
+                                        </p:tav>
+                                        <p:tav tm="100000">
+                                          <p:val>
+                                            <p:strVal val="#ppt_x"/>
+                                          </p:val>
+                                        </p:tav>
+                                      </p:tavLst>
+                                    </p:anim>
+                                    <p:anim calcmode="lin" valueType="num">
+                                      <p:cBhvr>
+                                        <p:cTn id="23" dur="500" fill="hold"/>
+                                        <p:tgtEl>
+                                          <p:spTgt spid="3">
+                                            <p:txEl>
+                                              <p:pRg st="4" end="4"/>
+                                            </p:txEl>
+                                          </p:spTgt>
+                                        </p:tgtEl>
+                                        <p:attrNameLst>
+                                          <p:attrName>ppt_y</p:attrName>
+                                        </p:attrNameLst>
+                                      </p:cBhvr>
+                                      <p:tavLst>
+                                        <p:tav tm="0">
+                                          <p:val>
+                                            <p:strVal val="#ppt_y+.1"/>
+                                          </p:val>
+                                        </p:tav>
+                                        <p:tav tm="100000">
+                                          <p:val>
+                                            <p:strVal val="#ppt_y"/>
+                                          </p:val>
+                                        </p:tav>
+                                      </p:tavLst>
+                                    </p:anim>
+                                  </p:childTnLst>
+                                </p:cTn>
+                              </p:par>
+                            </p:childTnLst>
+                          </p:cTn>
+                        </p:par>
+                      </p:childTnLst>
+                    </p:cTn>
+                  </p:par>
+                </p:childTnLst>
+              </p:cTn>
+              <p:prevCondLst>
+                <p:cond evt="onPrev" delay="0">
+                  <p:tgtEl>
+                    <p:sldTgt/>
+                  </p:tgtEl>
+                </p:cond>
+              </p:prevCondLst>
+              <p:nextCondLst>
+                <p:cond evt="onNext" delay="0">
+                  <p:tgtEl>
+                    <p:sldTgt/>
+                  </p:tgtEl>
+                </p:cond>
+              </p:nextCondLst>
+            </p:seq>
+          </p:childTnLst>
+        </p:cTn>
+      </p:par>
+    </p:tnLst>
+    <p:bldLst>
+      <p:bldP spid="3" grpId="0" build="p"/>
+    </p:bldLst>
+  </p:timing>
+</p:sld>
+</file>
+
+<file path=ppt/slides/slide7.xml><?xml version="1.0" encoding="utf-8"?>
+<p:sld xmlns:a="http://schemas.openxmlformats.org/drawingml/2006/main" xmlns:r="http://schemas.openxmlformats.org/officeDocument/2006/relationships" xmlns:p="http://schemas.openxmlformats.org/presentationml/2006/main">
+  <p:cSld>
+    <p:spTree>
+      <p:nvGrpSpPr>
+        <p:cNvPr id="1" name=""/>
+        <p:cNvGrpSpPr/>
+        <p:nvPr/>
+      </p:nvGrpSpPr>
+      <p:grpSpPr>
+        <a:xfrm>
+          <a:off x="0" y="0"/>
+          <a:ext cx="0" cy="0"/>
+          <a:chOff x="0" y="0"/>
+          <a:chExt cx="0" cy="0"/>
+        </a:xfrm>
+      </p:grpSpPr>
+      <p:sp>
+        <p:nvSpPr>
           <p:cNvPr id="2" name="Text Placeholder 1">
             <a:extLst>
               <a:ext uri="{FF2B5EF4-FFF2-40B4-BE49-F238E27FC236}">
